--- a/PowerPoints/07 - Error Handling.pptx
+++ b/PowerPoints/07 - Error Handling.pptx
@@ -6053,7 +6053,7 @@
               <a:rPr lang="en-US" sz="1800" dirty="0" err="1">
                 <a:latin typeface="Consolas" pitchFamily="49" charset="0"/>
               </a:rPr>
-              <a:t>ErrorHandler.reportError</a:t>
+              <a:t>errorHandler.reportError</a:t>
             </a:r>
             <a:r>
               <a:rPr lang="en-US" sz="1800" dirty="0">
@@ -6956,7 +6956,7 @@
               <a:rPr lang="en-US" sz="1800" dirty="0" err="1">
                 <a:latin typeface="Consolas" panose="020B0609020204030204" pitchFamily="49" charset="0"/>
               </a:rPr>
-              <a:t>ErrorHandler.reportError</a:t>
+              <a:t>errorHandler.reportError</a:t>
             </a:r>
             <a:r>
               <a:rPr lang="en-US" sz="1800" dirty="0">
@@ -9863,7 +9863,7 @@
                 <a:latin typeface="Consolas" pitchFamily="49" charset="0"/>
                 <a:cs typeface="Consolas" pitchFamily="49" charset="0"/>
               </a:rPr>
-              <a:t>ErrorHandler.reportError</a:t>
+              <a:t>errorHandler.reportError</a:t>
             </a:r>
             <a:r>
               <a:rPr lang="en-US" sz="1750" dirty="0">

--- a/PowerPoints/07 - Error Handling.pptx
+++ b/PowerPoints/07 - Error Handling.pptx
@@ -4894,7 +4894,7 @@
                 <a:latin typeface="Consolas" pitchFamily="49" charset="0"/>
                 <a:cs typeface="Consolas" pitchFamily="49" charset="0"/>
               </a:rPr>
-              <a:t>                = </a:t>
+              <a:t>    = </a:t>
             </a:r>
             <a:r>
               <a:rPr lang="en-US" sz="1800" dirty="0" err="1">
@@ -5023,15 +5023,15 @@
         </p:nvSpPr>
         <p:spPr>
           <a:xfrm>
-            <a:off x="458787" y="1363663"/>
-            <a:ext cx="8229600" cy="4935537"/>
+            <a:off x="327950" y="1363663"/>
+            <a:ext cx="8595360" cy="4935537"/>
           </a:xfrm>
         </p:spPr>
         <p:txBody>
           <a:bodyPr lIns="91440" tIns="91440"/>
           <a:lstStyle/>
           <a:p>
-            <a:pPr marL="182880" indent="0">
+            <a:pPr marL="0" indent="0">
               <a:spcBef>
                 <a:spcPts val="100"/>
               </a:spcBef>
@@ -5069,7 +5069,7 @@
             </a:r>
           </a:p>
           <a:p>
-            <a:pPr marL="182880" indent="0">
+            <a:pPr marL="0" indent="0">
               <a:spcBef>
                 <a:spcPts val="100"/>
               </a:spcBef>
@@ -5109,7 +5109,7 @@
             </a:r>
           </a:p>
           <a:p>
-            <a:pPr marL="182880" indent="0">
+            <a:pPr marL="0" indent="0">
               <a:spcBef>
                 <a:spcPts val="100"/>
               </a:spcBef>
@@ -5136,7 +5136,7 @@
             </a:r>
           </a:p>
           <a:p>
-            <a:pPr marL="182880" indent="0">
+            <a:pPr marL="0" indent="0">
               <a:spcBef>
                 <a:spcPts val="100"/>
               </a:spcBef>
@@ -5151,7 +5151,7 @@
             </a:r>
           </a:p>
           <a:p>
-            <a:pPr marL="182880" indent="0">
+            <a:pPr marL="0" indent="0">
               <a:spcBef>
                 <a:spcPts val="100"/>
               </a:spcBef>
@@ -5166,7 +5166,7 @@
             </a:r>
           </a:p>
           <a:p>
-            <a:pPr marL="182880" indent="0">
+            <a:pPr marL="0" indent="0">
               <a:spcBef>
                 <a:spcPts val="100"/>
               </a:spcBef>
@@ -5181,7 +5181,7 @@
             </a:r>
           </a:p>
           <a:p>
-            <a:pPr marL="182880" indent="0">
+            <a:pPr marL="0" indent="0">
               <a:spcBef>
                 <a:spcPts val="100"/>
               </a:spcBef>
@@ -5208,7 +5208,7 @@
             </a:r>
           </a:p>
           <a:p>
-            <a:pPr marL="182880" indent="0">
+            <a:pPr marL="0" indent="0">
               <a:spcBef>
                 <a:spcPts val="100"/>
               </a:spcBef>
@@ -5223,7 +5223,7 @@
             </a:r>
           </a:p>
           <a:p>
-            <a:pPr marL="182880" indent="0">
+            <a:pPr marL="0" indent="0">
               <a:spcBef>
                 <a:spcPts val="100"/>
               </a:spcBef>
@@ -5250,7 +5250,7 @@
             </a:r>
           </a:p>
           <a:p>
-            <a:pPr marL="182880" indent="0">
+            <a:pPr marL="0" indent="0">
               <a:spcBef>
                 <a:spcPts val="100"/>
               </a:spcBef>
@@ -5265,7 +5265,7 @@
             </a:r>
           </a:p>
           <a:p>
-            <a:pPr marL="182880" indent="0">
+            <a:pPr marL="0" indent="0">
               <a:spcBef>
                 <a:spcPts val="100"/>
               </a:spcBef>
@@ -5292,7 +5292,7 @@
             </a:r>
           </a:p>
           <a:p>
-            <a:pPr marL="182880" indent="0">
+            <a:pPr marL="0" indent="0">
               <a:spcBef>
                 <a:spcPts val="100"/>
               </a:spcBef>
@@ -5307,7 +5307,7 @@
             </a:r>
           </a:p>
           <a:p>
-            <a:pPr marL="182880" indent="0">
+            <a:pPr marL="0" indent="0">
               <a:spcBef>
                 <a:spcPts val="100"/>
               </a:spcBef>
@@ -5334,7 +5334,7 @@
             </a:r>
           </a:p>
           <a:p>
-            <a:pPr marL="182880" indent="0">
+            <a:pPr marL="0" indent="0">
               <a:spcBef>
                 <a:spcPts val="100"/>
               </a:spcBef>
@@ -5345,47 +5345,53 @@
               <a:rPr lang="en-US" sz="1800" dirty="0">
                 <a:latin typeface="Consolas" panose="020B0609020204030204" pitchFamily="49" charset="0"/>
               </a:rPr>
-              <a:t>        recover(</a:t>
-            </a:r>
-            <a:r>
-              <a:rPr lang="en-US" sz="1800" dirty="0" err="1">
+              <a:t>        </a:t>
+            </a:r>
+            <a:r>
+              <a:rPr lang="en-US" sz="1800" b="1" dirty="0">
+                <a:latin typeface="Consolas" panose="020B0609020204030204" pitchFamily="49" charset="0"/>
+              </a:rPr>
+              <a:t>recover(</a:t>
+            </a:r>
+            <a:r>
+              <a:rPr lang="en-US" sz="1800" b="1" dirty="0" err="1">
                 <a:latin typeface="Consolas" panose="020B0609020204030204" pitchFamily="49" charset="0"/>
               </a:rPr>
               <a:t>EnumSet.of</a:t>
             </a:r>
             <a:r>
-              <a:rPr lang="en-US" sz="1800" dirty="0">
+              <a:rPr lang="en-US" sz="1800" b="1" dirty="0">
                 <a:latin typeface="Consolas" panose="020B0609020204030204" pitchFamily="49" charset="0"/>
               </a:rPr>
               <a:t>(</a:t>
             </a:r>
             <a:r>
-              <a:rPr lang="en-US" sz="1800" dirty="0" err="1">
+              <a:rPr lang="en-US" sz="1800" b="1" dirty="0" err="1">
                 <a:latin typeface="Consolas" panose="020B0609020204030204" pitchFamily="49" charset="0"/>
               </a:rPr>
               <a:t>Symbol.procRW</a:t>
             </a:r>
             <a:r>
-              <a:rPr lang="en-US" sz="1800" dirty="0">
+              <a:rPr lang="en-US" sz="1800" b="1" dirty="0">
                 <a:latin typeface="Consolas" panose="020B0609020204030204" pitchFamily="49" charset="0"/>
               </a:rPr>
               <a:t>, </a:t>
             </a:r>
             <a:r>
-              <a:rPr lang="en-US" sz="1800" dirty="0" err="1">
+              <a:rPr lang="en-US" sz="1800" b="1" dirty="0" err="1">
                 <a:latin typeface="Consolas" panose="020B0609020204030204" pitchFamily="49" charset="0"/>
               </a:rPr>
               <a:t>Symbol.funRW</a:t>
             </a:r>
             <a:r>
-              <a:rPr lang="en-US" sz="1800" dirty="0">
-                <a:latin typeface="Consolas" panose="020B0609020204030204" pitchFamily="49" charset="0"/>
-              </a:rPr>
-              <a:t>,</a:t>
-            </a:r>
-          </a:p>
-          <a:p>
-            <a:pPr marL="182880" indent="0">
+              <a:rPr lang="en-US" sz="1800" b="1" dirty="0">
+                <a:latin typeface="Consolas" panose="020B0609020204030204" pitchFamily="49" charset="0"/>
+              </a:rPr>
+              <a:t> Symbol.EOF))</a:t>
+            </a:r>
+          </a:p>
+          <a:p>
+            <a:pPr marL="0" indent="0">
               <a:spcBef>
                 <a:spcPts val="100"/>
               </a:spcBef>
@@ -5396,26 +5402,11 @@
               <a:rPr lang="en-US" sz="1800" dirty="0">
                 <a:latin typeface="Consolas" panose="020B0609020204030204" pitchFamily="49" charset="0"/>
               </a:rPr>
-              <a:t>                Symbol.EOF))</a:t>
-            </a:r>
-          </a:p>
-          <a:p>
-            <a:pPr marL="182880" indent="0">
-              <a:spcBef>
-                <a:spcPts val="100"/>
-              </a:spcBef>
-              <a:buFontTx/>
-              <a:buNone/>
-            </a:pPr>
-            <a:r>
-              <a:rPr lang="en-US" sz="1800" dirty="0">
-                <a:latin typeface="Consolas" panose="020B0609020204030204" pitchFamily="49" charset="0"/>
-              </a:rPr>
               <a:t>      }</a:t>
             </a:r>
           </a:p>
           <a:p>
-            <a:pPr marL="182880" indent="0">
+            <a:pPr marL="0" indent="0">
               <a:spcBef>
                 <a:spcPts val="100"/>
               </a:spcBef>
@@ -5581,10 +5572,9 @@
           </a:p>
           <a:p>
             <a:r>
-              <a:rPr lang="en-US"/>
+              <a:rPr lang="en-US" dirty="0"/>
               <a:t>CPRL Example</a:t>
             </a:r>
-            <a:endParaRPr lang="en-US" dirty="0"/>
           </a:p>
           <a:p>
             <a:pPr lvl="1">
@@ -6189,7 +6179,7 @@
         </p:nvSpPr>
         <p:spPr>
           <a:xfrm>
-            <a:off x="4442013" y="4471878"/>
+            <a:off x="4518213" y="4552890"/>
             <a:ext cx="3558987" cy="400110"/>
           </a:xfrm>
           <a:prstGeom prst="rect">
@@ -6301,7 +6291,7 @@
         <p:spPr bwMode="auto">
           <a:xfrm rot="10800000">
             <a:off x="4023361" y="4373881"/>
-            <a:ext cx="418653" cy="298053"/>
+            <a:ext cx="494853" cy="379065"/>
           </a:xfrm>
           <a:prstGeom prst="bentConnector2">
             <a:avLst/>
@@ -7097,7 +7087,7 @@
         </p:nvSpPr>
         <p:spPr>
           <a:xfrm>
-            <a:off x="3481893" y="4255310"/>
+            <a:off x="3527613" y="4400490"/>
             <a:ext cx="3558987" cy="400110"/>
           </a:xfrm>
           <a:prstGeom prst="rect">
@@ -7209,7 +7199,7 @@
         <p:spPr bwMode="auto">
           <a:xfrm rot="10800000">
             <a:off x="3063241" y="4157313"/>
-            <a:ext cx="418653" cy="298053"/>
+            <a:ext cx="464373" cy="443233"/>
           </a:xfrm>
           <a:prstGeom prst="bentConnector2">
             <a:avLst/>
@@ -7854,9 +7844,12 @@
               </a:rPr>
               <a:t>initialDeclFollowers</a:t>
             </a:r>
-            <a:endParaRPr lang="en-US" sz="1800" dirty="0">
-              <a:latin typeface="Consolas" panose="020B0609020204030204" pitchFamily="49" charset="0"/>
-            </a:endParaRPr>
+            <a:r>
+              <a:rPr lang="en-US" sz="1800" dirty="0">
+                <a:latin typeface="Consolas" panose="020B0609020204030204" pitchFamily="49" charset="0"/>
+              </a:rPr>
+              <a:t> : Set&lt;Symbol&gt;</a:t>
+            </a:r>
           </a:p>
           <a:p>
             <a:pPr marL="0" indent="0">
@@ -7869,7 +7862,7 @@
               <a:rPr lang="en-US" sz="1800" dirty="0">
                 <a:latin typeface="Consolas" panose="020B0609020204030204" pitchFamily="49" charset="0"/>
               </a:rPr>
-              <a:t>    get() :  Set&lt;Symbol&gt;</a:t>
+              <a:t>    get()</a:t>
             </a:r>
           </a:p>
           <a:p>
@@ -7897,7 +7890,7 @@
               <a:rPr lang="en-US" sz="1800" dirty="0">
                 <a:latin typeface="Consolas" panose="020B0609020204030204" pitchFamily="49" charset="0"/>
               </a:rPr>
-              <a:t>        // An initial declaration can always be followed by</a:t>
+              <a:t>        // An initial declaration can always be followed</a:t>
             </a:r>
           </a:p>
           <a:p>
@@ -7911,7 +7904,7 @@
               <a:rPr lang="en-US" sz="1800" dirty="0">
                 <a:latin typeface="Consolas" panose="020B0609020204030204" pitchFamily="49" charset="0"/>
               </a:rPr>
-              <a:t>        // another initial declaration, regardless of the</a:t>
+              <a:t>        // by another initial declaration, regardless of</a:t>
             </a:r>
           </a:p>
           <a:p>
@@ -7925,7 +7918,7 @@
               <a:rPr lang="en-US" sz="1800" dirty="0">
                 <a:latin typeface="Consolas" panose="020B0609020204030204" pitchFamily="49" charset="0"/>
               </a:rPr>
-              <a:t>        // scope level of </a:t>
+              <a:t>        // the scope level of </a:t>
             </a:r>
             <a:r>
               <a:rPr lang="en-US" sz="1800" dirty="0" err="1">
@@ -8032,7 +8025,7 @@
               <a:rPr lang="en-US" sz="1800" dirty="0" err="1">
                 <a:latin typeface="Consolas" panose="020B0609020204030204" pitchFamily="49" charset="0"/>
               </a:rPr>
-              <a:t>ScopeLevel.PROGRAM</a:t>
+              <a:t>ScopeLevel.LOCAL</a:t>
             </a:r>
             <a:r>
               <a:rPr lang="en-US" sz="1800" dirty="0">
@@ -8070,13 +8063,13 @@
               <a:rPr lang="en-US" sz="1800" dirty="0" err="1">
                 <a:latin typeface="Consolas" panose="020B0609020204030204" pitchFamily="49" charset="0"/>
               </a:rPr>
-              <a:t>EnumSet.of</a:t>
+              <a:t>stmtFollowers</a:t>
             </a:r>
             <a:r>
               <a:rPr lang="en-US" sz="1800" dirty="0">
                 <a:latin typeface="Consolas" panose="020B0609020204030204" pitchFamily="49" charset="0"/>
               </a:rPr>
-              <a:t>(</a:t>
+              <a:t>)</a:t>
             </a:r>
           </a:p>
           <a:p>
@@ -8090,31 +8083,7 @@
               <a:rPr lang="en-US" sz="1800" dirty="0">
                 <a:latin typeface="Consolas" panose="020B0609020204030204" pitchFamily="49" charset="0"/>
               </a:rPr>
-              <a:t>                                 </a:t>
-            </a:r>
-            <a:r>
-              <a:rPr lang="en-US" sz="1800" dirty="0" err="1">
-                <a:latin typeface="Consolas" panose="020B0609020204030204" pitchFamily="49" charset="0"/>
-              </a:rPr>
-              <a:t>Symbol.procRW</a:t>
-            </a:r>
-            <a:r>
-              <a:rPr lang="en-US" sz="1800" dirty="0">
-                <a:latin typeface="Consolas" panose="020B0609020204030204" pitchFamily="49" charset="0"/>
-              </a:rPr>
-              <a:t>, </a:t>
-            </a:r>
-            <a:r>
-              <a:rPr lang="en-US" sz="1800" dirty="0" err="1">
-                <a:latin typeface="Consolas" panose="020B0609020204030204" pitchFamily="49" charset="0"/>
-              </a:rPr>
-              <a:t>Symbol.funRW</a:t>
-            </a:r>
-            <a:r>
-              <a:rPr lang="en-US" sz="1800" dirty="0">
-                <a:latin typeface="Consolas" panose="020B0609020204030204" pitchFamily="49" charset="0"/>
-              </a:rPr>
-              <a:t>))</a:t>
+              <a:t>        else</a:t>
             </a:r>
           </a:p>
           <a:p>
@@ -8128,7 +8097,31 @@
               <a:rPr lang="en-US" sz="1800" dirty="0">
                 <a:latin typeface="Consolas" panose="020B0609020204030204" pitchFamily="49" charset="0"/>
               </a:rPr>
-              <a:t>        else</a:t>
+              <a:t>            </a:t>
+            </a:r>
+            <a:r>
+              <a:rPr lang="en-US" sz="1800" dirty="0" err="1">
+                <a:latin typeface="Consolas" panose="020B0609020204030204" pitchFamily="49" charset="0"/>
+              </a:rPr>
+              <a:t>followers.addAll</a:t>
+            </a:r>
+            <a:r>
+              <a:rPr lang="en-US" sz="1800" dirty="0">
+                <a:latin typeface="Consolas" panose="020B0609020204030204" pitchFamily="49" charset="0"/>
+              </a:rPr>
+              <a:t>(</a:t>
+            </a:r>
+            <a:r>
+              <a:rPr lang="en-US" sz="1800" dirty="0" err="1">
+                <a:latin typeface="Consolas" panose="020B0609020204030204" pitchFamily="49" charset="0"/>
+              </a:rPr>
+              <a:t>EnumSet.of</a:t>
+            </a:r>
+            <a:r>
+              <a:rPr lang="en-US" sz="1800" dirty="0">
+                <a:latin typeface="Consolas" panose="020B0609020204030204" pitchFamily="49" charset="0"/>
+              </a:rPr>
+              <a:t>(</a:t>
             </a:r>
           </a:p>
           <a:p>
@@ -8142,43 +8135,32 @@
               <a:rPr lang="en-US" sz="1800" dirty="0">
                 <a:latin typeface="Consolas" panose="020B0609020204030204" pitchFamily="49" charset="0"/>
               </a:rPr>
-              <a:t>            </a:t>
+              <a:t>                                 </a:t>
             </a:r>
             <a:r>
               <a:rPr lang="en-US" sz="1800" dirty="0" err="1">
                 <a:latin typeface="Consolas" panose="020B0609020204030204" pitchFamily="49" charset="0"/>
               </a:rPr>
-              <a:t>followers.addAll</a:t>
+              <a:t>Symbol.procRW</a:t>
             </a:r>
             <a:r>
               <a:rPr lang="en-US" sz="1800" dirty="0">
                 <a:latin typeface="Consolas" panose="020B0609020204030204" pitchFamily="49" charset="0"/>
               </a:rPr>
-              <a:t>(</a:t>
+              <a:t>, </a:t>
             </a:r>
             <a:r>
               <a:rPr lang="en-US" sz="1800" dirty="0" err="1">
                 <a:latin typeface="Consolas" panose="020B0609020204030204" pitchFamily="49" charset="0"/>
               </a:rPr>
-              <a:t>stmtFollowers</a:t>
+              <a:t>Symbol.funRW</a:t>
             </a:r>
             <a:r>
               <a:rPr lang="en-US" sz="1800" dirty="0">
                 <a:latin typeface="Consolas" panose="020B0609020204030204" pitchFamily="49" charset="0"/>
               </a:rPr>
-              <a:t>)</a:t>
-            </a:r>
-          </a:p>
-          <a:p>
-            <a:pPr marL="0" indent="0">
-              <a:spcBef>
-                <a:spcPts val="100"/>
-              </a:spcBef>
-              <a:buNone/>
-            </a:pPr>
-            <a:endParaRPr lang="en-US" sz="1800" dirty="0">
-              <a:latin typeface="Consolas" panose="020B0609020204030204" pitchFamily="49" charset="0"/>
-            </a:endParaRPr>
+              <a:t>))</a:t>
+            </a:r>
           </a:p>
           <a:p>
             <a:pPr marL="0" indent="0">
@@ -9634,14 +9616,19 @@
             <p:ph idx="1"/>
           </p:nvPr>
         </p:nvSpPr>
-        <p:spPr/>
+        <p:spPr>
+          <a:xfrm>
+            <a:off x="381000" y="1363663"/>
+            <a:ext cx="8503920" cy="4935537"/>
+          </a:xfrm>
+        </p:spPr>
         <p:txBody>
           <a:bodyPr lIns="182880" tIns="91440"/>
           <a:lstStyle/>
           <a:p>
             <a:pPr marL="0" indent="0">
               <a:spcBef>
-                <a:spcPts val="0"/>
+                <a:spcPts val="100"/>
               </a:spcBef>
               <a:buNone/>
             </a:pPr>
@@ -9656,7 +9643,7 @@
           <a:p>
             <a:pPr marL="0" indent="0">
               <a:spcBef>
-                <a:spcPts val="0"/>
+                <a:spcPts val="100"/>
               </a:spcBef>
               <a:buNone/>
             </a:pPr>
@@ -9685,7 +9672,7 @@
           <a:p>
             <a:pPr marL="0" indent="0">
               <a:spcBef>
-                <a:spcPts val="0"/>
+                <a:spcPts val="100"/>
               </a:spcBef>
               <a:buNone/>
             </a:pPr>
@@ -9700,7 +9687,7 @@
           <a:p>
             <a:pPr marL="0" indent="0">
               <a:spcBef>
-                <a:spcPts val="0"/>
+                <a:spcPts val="100"/>
               </a:spcBef>
               <a:buNone/>
             </a:pPr>
@@ -9715,7 +9702,7 @@
           <a:p>
             <a:pPr marL="0" indent="0">
               <a:spcBef>
-                <a:spcPts val="0"/>
+                <a:spcPts val="100"/>
               </a:spcBef>
               <a:buNone/>
             </a:pPr>
@@ -9730,7 +9717,7 @@
           <a:p>
             <a:pPr marL="0" indent="0">
               <a:spcBef>
-                <a:spcPts val="0"/>
+                <a:spcPts val="100"/>
               </a:spcBef>
               <a:buNone/>
             </a:pPr>
@@ -9745,7 +9732,7 @@
           <a:p>
             <a:pPr marL="0" indent="0">
               <a:spcBef>
-                <a:spcPts val="0"/>
+                <a:spcPts val="100"/>
               </a:spcBef>
               <a:buNone/>
             </a:pPr>
@@ -9774,7 +9761,7 @@
           <a:p>
             <a:pPr marL="0" indent="0">
               <a:spcBef>
-                <a:spcPts val="0"/>
+                <a:spcPts val="100"/>
               </a:spcBef>
               <a:buNone/>
             </a:pPr>
@@ -9789,7 +9776,7 @@
           <a:p>
             <a:pPr marL="0" indent="0">
               <a:spcBef>
-                <a:spcPts val="0"/>
+                <a:spcPts val="100"/>
               </a:spcBef>
               <a:buNone/>
             </a:pPr>
@@ -9832,7 +9819,7 @@
           <a:p>
             <a:pPr marL="0" indent="0">
               <a:spcBef>
-                <a:spcPts val="0"/>
+                <a:spcPts val="100"/>
               </a:spcBef>
               <a:buNone/>
             </a:pPr>
@@ -9847,7 +9834,7 @@
           <a:p>
             <a:pPr marL="0" indent="0">
               <a:spcBef>
-                <a:spcPts val="0"/>
+                <a:spcPts val="100"/>
               </a:spcBef>
               <a:buNone/>
             </a:pPr>
@@ -9876,7 +9863,7 @@
           <a:p>
             <a:pPr marL="0" indent="0">
               <a:spcBef>
-                <a:spcPts val="0"/>
+                <a:spcPts val="100"/>
               </a:spcBef>
               <a:buNone/>
             </a:pPr>
@@ -9885,13 +9872,13 @@
                 <a:latin typeface="Consolas" pitchFamily="49" charset="0"/>
                 <a:cs typeface="Consolas" pitchFamily="49" charset="0"/>
               </a:rPr>
-              <a:t>        matchCurrentSymbol()   // treat "=" as ":="</a:t>
+              <a:t>        matchCurrentSymbol()   // treat "=" as ":=" in this context</a:t>
             </a:r>
           </a:p>
           <a:p>
             <a:pPr marL="0" indent="0">
               <a:spcBef>
-                <a:spcPts val="0"/>
+                <a:spcPts val="100"/>
               </a:spcBef>
               <a:buNone/>
             </a:pPr>
@@ -9900,13 +9887,13 @@
                 <a:latin typeface="Consolas" pitchFamily="49" charset="0"/>
                 <a:cs typeface="Consolas" pitchFamily="49" charset="0"/>
               </a:rPr>
-              <a:t>                               // in this context</a:t>
+              <a:t>      }  </a:t>
             </a:r>
           </a:p>
           <a:p>
             <a:pPr marL="0" indent="0">
               <a:spcBef>
-                <a:spcPts val="0"/>
+                <a:spcPts val="100"/>
               </a:spcBef>
               <a:buNone/>
             </a:pPr>
@@ -9915,13 +9902,13 @@
                 <a:latin typeface="Consolas" pitchFamily="49" charset="0"/>
                 <a:cs typeface="Consolas" pitchFamily="49" charset="0"/>
               </a:rPr>
-              <a:t>      }  </a:t>
+              <a:t>    else</a:t>
             </a:r>
           </a:p>
           <a:p>
             <a:pPr marL="0" indent="0">
               <a:spcBef>
-                <a:spcPts val="0"/>
+                <a:spcPts val="100"/>
               </a:spcBef>
               <a:buNone/>
             </a:pPr>
@@ -9930,13 +9917,13 @@
                 <a:latin typeface="Consolas" pitchFamily="49" charset="0"/>
                 <a:cs typeface="Consolas" pitchFamily="49" charset="0"/>
               </a:rPr>
-              <a:t>    else</a:t>
+              <a:t>        throw e</a:t>
             </a:r>
           </a:p>
           <a:p>
             <a:pPr marL="0" indent="0">
               <a:spcBef>
-                <a:spcPts val="0"/>
+                <a:spcPts val="100"/>
               </a:spcBef>
               <a:buNone/>
             </a:pPr>
@@ -9945,28 +9932,13 @@
                 <a:latin typeface="Consolas" pitchFamily="49" charset="0"/>
                 <a:cs typeface="Consolas" pitchFamily="49" charset="0"/>
               </a:rPr>
-              <a:t>        throw e</a:t>
+              <a:t>  }</a:t>
             </a:r>
           </a:p>
           <a:p>
             <a:pPr marL="0" indent="0">
               <a:spcBef>
-                <a:spcPts val="0"/>
-              </a:spcBef>
-              <a:buNone/>
-            </a:pPr>
-            <a:r>
-              <a:rPr lang="en-US" sz="1750" dirty="0">
-                <a:latin typeface="Consolas" pitchFamily="49" charset="0"/>
-                <a:cs typeface="Consolas" pitchFamily="49" charset="0"/>
-              </a:rPr>
-              <a:t>  }</a:t>
-            </a:r>
-          </a:p>
-          <a:p>
-            <a:pPr marL="0" indent="0">
-              <a:spcBef>
-                <a:spcPts val="0"/>
+                <a:spcPts val="100"/>
               </a:spcBef>
               <a:buNone/>
             </a:pPr>

--- a/PowerPoints/07 - Error Handling.pptx
+++ b/PowerPoints/07 - Error Handling.pptx
@@ -1,6 +1,6 @@
 
 <file path=ppt/presentation.xml><?xml version="1.0" encoding="utf-8"?>
-<p:presentation xmlns:a="http://schemas.openxmlformats.org/drawingml/2006/main" xmlns:r="http://schemas.openxmlformats.org/officeDocument/2006/relationships" xmlns:p="http://schemas.openxmlformats.org/presentationml/2006/main" saveSubsetFonts="1">
+<p:presentation xmlns:a="http://schemas.openxmlformats.org/drawingml/2006/main" xmlns:r="http://schemas.openxmlformats.org/officeDocument/2006/relationships" xmlns:p="http://schemas.openxmlformats.org/presentationml/2006/main" saveSubsetFonts="1" autoCompressPictures="0">
   <p:sldMasterIdLst>
     <p:sldMasterId id="2147483651" r:id="rId1"/>
   </p:sldMasterIdLst>
@@ -25,13 +25,13 @@
     <p:sldId id="288" r:id="rId13"/>
     <p:sldId id="289" r:id="rId14"/>
     <p:sldId id="293" r:id="rId15"/>
-    <p:sldId id="297" r:id="rId16"/>
-    <p:sldId id="294" r:id="rId17"/>
-    <p:sldId id="354" r:id="rId18"/>
-    <p:sldId id="356" r:id="rId19"/>
-    <p:sldId id="355" r:id="rId20"/>
+    <p:sldId id="359" r:id="rId16"/>
+    <p:sldId id="360" r:id="rId17"/>
+    <p:sldId id="361" r:id="rId18"/>
+    <p:sldId id="362" r:id="rId19"/>
+    <p:sldId id="364" r:id="rId20"/>
     <p:sldId id="285" r:id="rId21"/>
-    <p:sldId id="357" r:id="rId22"/>
+    <p:sldId id="350" r:id="rId22"/>
     <p:sldId id="358" r:id="rId23"/>
     <p:sldId id="290" r:id="rId24"/>
     <p:sldId id="292" r:id="rId25"/>
@@ -265,7 +265,7 @@
               <a:defRPr/>
             </a:pPr>
             <a:r>
-              <a:rPr lang="en-US" sz="1100" dirty="0">
+              <a:rPr lang="en-US" sz="1100">
                 <a:latin typeface="+mn-lt"/>
               </a:rPr>
               <a:t>Error Handling/Recovery</a:t>
@@ -4646,7 +4646,7 @@
           <a:bodyPr/>
           <a:lstStyle/>
           <a:p>
-            <a:endParaRPr lang="en-US" dirty="0"/>
+            <a:endParaRPr lang="en-US"/>
           </a:p>
         </p:txBody>
       </p:sp>
@@ -4745,11 +4745,11 @@
           <a:lstStyle/>
           <a:p>
             <a:r>
-              <a:rPr lang="en-US" dirty="0"/>
+              <a:rPr lang="en-US"/>
               <a:t>Method </a:t>
             </a:r>
             <a:r>
-              <a:rPr lang="en-US" dirty="0">
+              <a:rPr lang="en-US">
                 <a:latin typeface="Consolas" pitchFamily="49" charset="0"/>
                 <a:cs typeface="Consolas" pitchFamily="49" charset="0"/>
               </a:rPr>
@@ -4780,18 +4780,18 @@
               <a:buNone/>
             </a:pPr>
             <a:r>
-              <a:rPr lang="en-US" dirty="0"/>
+              <a:rPr lang="en-US"/>
               <a:t>Method </a:t>
             </a:r>
             <a:r>
-              <a:rPr lang="en-US" dirty="0">
+              <a:rPr lang="en-US">
                 <a:latin typeface="Consolas" pitchFamily="49" charset="0"/>
                 <a:cs typeface="Consolas" pitchFamily="49" charset="0"/>
               </a:rPr>
               <a:t>recover()</a:t>
             </a:r>
             <a:r>
-              <a:rPr lang="en-US" dirty="0"/>
+              <a:rPr lang="en-US"/>
               <a:t> implements error recovery by skipping tokens until it finds one in the follow set of the nonterminal defined by the rule.</a:t>
             </a:r>
           </a:p>
@@ -4802,7 +4802,7 @@
               </a:spcBef>
               <a:buNone/>
             </a:pPr>
-            <a:endParaRPr lang="en-US" sz="1800" dirty="0">
+            <a:endParaRPr lang="en-US" sz="1800">
               <a:latin typeface="Consolas" pitchFamily="49" charset="0"/>
               <a:cs typeface="Consolas" pitchFamily="49" charset="0"/>
             </a:endParaRPr>
@@ -4815,7 +4815,7 @@
               <a:buNone/>
             </a:pPr>
             <a:r>
-              <a:rPr lang="en-US" sz="1800" dirty="0">
+              <a:rPr lang="en-US" sz="1800">
                 <a:latin typeface="Consolas" pitchFamily="49" charset="0"/>
                 <a:cs typeface="Consolas" pitchFamily="49" charset="0"/>
               </a:rPr>
@@ -4830,7 +4830,7 @@
               <a:buNone/>
             </a:pPr>
             <a:r>
-              <a:rPr lang="en-US" sz="1800" dirty="0">
+              <a:rPr lang="en-US" sz="1800">
                 <a:latin typeface="Consolas" pitchFamily="49" charset="0"/>
                 <a:cs typeface="Consolas" pitchFamily="49" charset="0"/>
               </a:rPr>
@@ -4845,7 +4845,7 @@
               <a:buNone/>
             </a:pPr>
             <a:r>
-              <a:rPr lang="en-US" sz="1800" dirty="0">
+              <a:rPr lang="en-US" sz="1800">
                 <a:latin typeface="Consolas" pitchFamily="49" charset="0"/>
                 <a:cs typeface="Consolas" pitchFamily="49" charset="0"/>
               </a:rPr>
@@ -4860,7 +4860,7 @@
               <a:buNone/>
             </a:pPr>
             <a:r>
-              <a:rPr lang="en-US" sz="1800" dirty="0">
+              <a:rPr lang="en-US" sz="1800">
                 <a:latin typeface="Consolas" pitchFamily="49" charset="0"/>
                 <a:cs typeface="Consolas" pitchFamily="49" charset="0"/>
               </a:rPr>
@@ -4875,7 +4875,7 @@
               <a:buNone/>
             </a:pPr>
             <a:r>
-              <a:rPr lang="en-US" sz="1800" dirty="0">
+              <a:rPr lang="en-US" sz="1800">
                 <a:latin typeface="Consolas" pitchFamily="49" charset="0"/>
                 <a:cs typeface="Consolas" pitchFamily="49" charset="0"/>
               </a:rPr>
@@ -4890,21 +4890,21 @@
               <a:buNone/>
             </a:pPr>
             <a:r>
-              <a:rPr lang="en-US" sz="1800" dirty="0">
+              <a:rPr lang="en-US" sz="1800">
                 <a:latin typeface="Consolas" pitchFamily="49" charset="0"/>
                 <a:cs typeface="Consolas" pitchFamily="49" charset="0"/>
               </a:rPr>
               <a:t>    = </a:t>
             </a:r>
             <a:r>
-              <a:rPr lang="en-US" sz="1800" dirty="0" err="1">
+              <a:rPr lang="en-US" sz="1800" err="1">
                 <a:latin typeface="Consolas" pitchFamily="49" charset="0"/>
                 <a:cs typeface="Consolas" pitchFamily="49" charset="0"/>
               </a:rPr>
               <a:t>scanner.advanceTo</a:t>
             </a:r>
             <a:r>
-              <a:rPr lang="en-US" sz="1800" dirty="0">
+              <a:rPr lang="en-US" sz="1800">
                 <a:latin typeface="Consolas" pitchFamily="49" charset="0"/>
                 <a:cs typeface="Consolas" pitchFamily="49" charset="0"/>
               </a:rPr>
@@ -5004,10 +5004,10 @@
           <a:lstStyle/>
           <a:p>
             <a:r>
-              <a:rPr lang="en-US" dirty="0"/>
+              <a:rPr lang="en-US"/>
               <a:t>Example: Error Handling/Recovery</a:t>
             </a:r>
-            <a:endParaRPr lang="en-US" sz="2400" dirty="0"/>
+            <a:endParaRPr lang="en-US" sz="2400"/>
           </a:p>
         </p:txBody>
       </p:sp>
@@ -5105,7 +5105,7 @@
               <a:rPr lang="en-US" sz="1800" dirty="0">
                 <a:latin typeface="Consolas" panose="020B0609020204030204" pitchFamily="49" charset="0"/>
               </a:rPr>
-              <a:t> {"proc", "fun", EOF}</a:t>
+              <a:t> { "proc", "fun", EOF }</a:t>
             </a:r>
           </a:p>
           <a:p>
@@ -5517,7 +5517,7 @@
           <a:lstStyle/>
           <a:p>
             <a:r>
-              <a:rPr lang="en-US" dirty="0"/>
+              <a:rPr lang="en-US"/>
               <a:t>Shared Follow Sets</a:t>
             </a:r>
           </a:p>
@@ -5625,7 +5625,19 @@
                 <a:latin typeface="Consolas" pitchFamily="49" charset="0"/>
                 <a:cs typeface="Consolas" pitchFamily="49" charset="0"/>
               </a:rPr>
-              <a:t> = </a:t>
+              <a:t> =</a:t>
+            </a:r>
+          </a:p>
+          <a:p>
+            <a:pPr lvl="1">
+              <a:buNone/>
+            </a:pPr>
+            <a:r>
+              <a:rPr lang="en-US" sz="1800" dirty="0">
+                <a:latin typeface="Consolas" pitchFamily="49" charset="0"/>
+                <a:cs typeface="Consolas" pitchFamily="49" charset="0"/>
+              </a:rPr>
+              <a:t>        </a:t>
             </a:r>
             <a:r>
               <a:rPr lang="en-US" sz="1800" dirty="0" err="1">
@@ -5640,18 +5652,6 @@
                 <a:cs typeface="Consolas" pitchFamily="49" charset="0"/>
               </a:rPr>
               <a:t>(</a:t>
-            </a:r>
-          </a:p>
-          <a:p>
-            <a:pPr lvl="1">
-              <a:buNone/>
-            </a:pPr>
-            <a:r>
-              <a:rPr lang="en-US" sz="1800" dirty="0">
-                <a:latin typeface="Consolas" pitchFamily="49" charset="0"/>
-                <a:cs typeface="Consolas" pitchFamily="49" charset="0"/>
-              </a:rPr>
-              <a:t>    </a:t>
             </a:r>
             <a:r>
               <a:rPr lang="en-US" sz="1800" dirty="0" err="1">
@@ -5840,28 +5840,28 @@
           <a:lstStyle/>
           <a:p>
             <a:r>
-              <a:rPr lang="en-US" dirty="0"/>
+              <a:rPr lang="en-US"/>
               <a:t>Method </a:t>
             </a:r>
             <a:r>
-              <a:rPr lang="en-US" dirty="0" err="1">
+              <a:rPr lang="en-US" err="1">
                 <a:latin typeface="Consolas" pitchFamily="49" charset="0"/>
                 <a:cs typeface="Consolas" pitchFamily="49" charset="0"/>
               </a:rPr>
               <a:t>parseProcedureDecl</a:t>
             </a:r>
             <a:r>
-              <a:rPr lang="en-US" dirty="0">
+              <a:rPr lang="en-US">
                 <a:latin typeface="Consolas" pitchFamily="49" charset="0"/>
                 <a:cs typeface="Consolas" pitchFamily="49" charset="0"/>
               </a:rPr>
               <a:t>()</a:t>
             </a:r>
             <a:br>
-              <a:rPr lang="en-US" dirty="0"/>
+              <a:rPr lang="en-US"/>
             </a:br>
             <a:r>
-              <a:rPr lang="en-US" sz="2400" dirty="0"/>
+              <a:rPr lang="en-US" sz="2400"/>
               <a:t>(reimplemented)</a:t>
             </a:r>
           </a:p>
@@ -5890,19 +5890,19 @@
               <a:buNone/>
             </a:pPr>
             <a:r>
-              <a:rPr lang="en-US" sz="1800" dirty="0">
+              <a:rPr lang="en-US" sz="1800">
                 <a:latin typeface="Consolas" pitchFamily="49" charset="0"/>
               </a:rPr>
               <a:t>private fun </a:t>
             </a:r>
             <a:r>
-              <a:rPr lang="en-US" sz="1800" dirty="0" err="1">
+              <a:rPr lang="en-US" sz="1800" err="1">
                 <a:latin typeface="Consolas" pitchFamily="49" charset="0"/>
               </a:rPr>
               <a:t>parseProcedureDecl</a:t>
             </a:r>
             <a:r>
-              <a:rPr lang="en-US" sz="1800" dirty="0">
+              <a:rPr lang="en-US" sz="1800">
                 <a:latin typeface="Consolas" pitchFamily="49" charset="0"/>
               </a:rPr>
               <a:t>()</a:t>
@@ -5917,7 +5917,7 @@
               <a:buNone/>
             </a:pPr>
             <a:r>
-              <a:rPr lang="en-US" sz="1800" dirty="0">
+              <a:rPr lang="en-US" sz="1800">
                 <a:latin typeface="Consolas" pitchFamily="49" charset="0"/>
               </a:rPr>
               <a:t>  {</a:t>
@@ -5932,7 +5932,7 @@
               <a:buNone/>
             </a:pPr>
             <a:r>
-              <a:rPr lang="en-US" sz="1800" dirty="0">
+              <a:rPr lang="en-US" sz="1800">
                 <a:latin typeface="Consolas" pitchFamily="49" charset="0"/>
               </a:rPr>
               <a:t>    try</a:t>
@@ -5947,7 +5947,7 @@
               <a:buNone/>
             </a:pPr>
             <a:r>
-              <a:rPr lang="en-US" sz="1800" dirty="0">
+              <a:rPr lang="en-US" sz="1800">
                 <a:latin typeface="Consolas" pitchFamily="49" charset="0"/>
               </a:rPr>
               <a:t>      {</a:t>
@@ -5962,7 +5962,7 @@
               <a:buNone/>
             </a:pPr>
             <a:r>
-              <a:rPr lang="en-US" sz="1800" dirty="0">
+              <a:rPr lang="en-US" sz="1800">
                 <a:latin typeface="Consolas" pitchFamily="49" charset="0"/>
               </a:rPr>
               <a:t>        ...</a:t>
@@ -5977,7 +5977,7 @@
               <a:buNone/>
             </a:pPr>
             <a:r>
-              <a:rPr lang="en-US" sz="1800" dirty="0">
+              <a:rPr lang="en-US" sz="1800">
                 <a:latin typeface="Consolas" pitchFamily="49" charset="0"/>
               </a:rPr>
               <a:t>      }</a:t>
@@ -5992,19 +5992,19 @@
               <a:buNone/>
             </a:pPr>
             <a:r>
-              <a:rPr lang="en-US" sz="1800" dirty="0">
+              <a:rPr lang="en-US" sz="1800">
                 <a:latin typeface="Consolas" pitchFamily="49" charset="0"/>
               </a:rPr>
               <a:t>    catch (e : </a:t>
             </a:r>
             <a:r>
-              <a:rPr lang="en-US" sz="1800" dirty="0" err="1">
+              <a:rPr lang="en-US" sz="1800" err="1">
                 <a:latin typeface="Consolas" pitchFamily="49" charset="0"/>
               </a:rPr>
               <a:t>ParserException</a:t>
             </a:r>
             <a:r>
-              <a:rPr lang="en-US" sz="1800" dirty="0">
+              <a:rPr lang="en-US" sz="1800">
                 <a:latin typeface="Consolas" pitchFamily="49" charset="0"/>
               </a:rPr>
               <a:t>)</a:t>
@@ -6019,7 +6019,7 @@
               <a:buNone/>
             </a:pPr>
             <a:r>
-              <a:rPr lang="en-US" sz="1800" dirty="0">
+              <a:rPr lang="en-US" sz="1800">
                 <a:latin typeface="Consolas" pitchFamily="49" charset="0"/>
               </a:rPr>
               <a:t>      {</a:t>
@@ -6034,19 +6034,19 @@
               <a:buNone/>
             </a:pPr>
             <a:r>
-              <a:rPr lang="en-US" sz="1800" dirty="0">
+              <a:rPr lang="en-US" sz="1800">
                 <a:latin typeface="Consolas" pitchFamily="49" charset="0"/>
               </a:rPr>
               <a:t>        </a:t>
             </a:r>
             <a:r>
-              <a:rPr lang="en-US" sz="1800" dirty="0" err="1">
+              <a:rPr lang="en-US" sz="1800" err="1">
                 <a:latin typeface="Consolas" pitchFamily="49" charset="0"/>
               </a:rPr>
               <a:t>errorHandler.reportError</a:t>
             </a:r>
             <a:r>
-              <a:rPr lang="en-US" sz="1800" dirty="0">
+              <a:rPr lang="en-US" sz="1800">
                 <a:latin typeface="Consolas" pitchFamily="49" charset="0"/>
               </a:rPr>
               <a:t>(e)</a:t>
@@ -6061,19 +6061,19 @@
               <a:buNone/>
             </a:pPr>
             <a:r>
-              <a:rPr lang="en-US" sz="1800" b="1" dirty="0">
+              <a:rPr lang="en-US" sz="1800" b="1">
                 <a:latin typeface="Consolas" pitchFamily="49" charset="0"/>
               </a:rPr>
               <a:t>        recover(</a:t>
             </a:r>
             <a:r>
-              <a:rPr lang="en-US" sz="1800" b="1" dirty="0" err="1">
+              <a:rPr lang="en-US" sz="1800" b="1" err="1">
                 <a:latin typeface="Consolas" pitchFamily="49" charset="0"/>
               </a:rPr>
               <a:t>subprogDeclFollowers</a:t>
             </a:r>
             <a:r>
-              <a:rPr lang="en-US" sz="1800" b="1" dirty="0">
+              <a:rPr lang="en-US" sz="1800" b="1">
                 <a:latin typeface="Consolas" pitchFamily="49" charset="0"/>
               </a:rPr>
               <a:t>)</a:t>
@@ -6088,7 +6088,7 @@
               <a:buNone/>
             </a:pPr>
             <a:r>
-              <a:rPr lang="en-US" sz="1800" dirty="0">
+              <a:rPr lang="en-US" sz="1800">
                 <a:latin typeface="Consolas" pitchFamily="49" charset="0"/>
               </a:rPr>
               <a:t>      }</a:t>
@@ -6103,7 +6103,7 @@
               <a:buNone/>
             </a:pPr>
             <a:r>
-              <a:rPr lang="en-US" sz="1800" dirty="0">
+              <a:rPr lang="en-US" sz="1800">
                 <a:latin typeface="Consolas" pitchFamily="49" charset="0"/>
               </a:rPr>
               <a:t>  }</a:t>
@@ -6199,7 +6199,7 @@
           <a:lstStyle/>
           <a:p>
             <a:r>
-              <a:rPr lang="en-US" sz="2000" dirty="0"/>
+              <a:rPr lang="en-US" sz="2000"/>
               <a:t>Note use of shared follow set.</a:t>
             </a:r>
           </a:p>
@@ -6350,17 +6350,17 @@
           <a:lstStyle/>
           <a:p>
             <a:r>
-              <a:rPr lang="en-US" dirty="0"/>
+              <a:rPr lang="en-US"/>
               <a:t>Error Recovery for </a:t>
             </a:r>
             <a:r>
-              <a:rPr lang="en-US" dirty="0" err="1">
+              <a:rPr lang="en-US" err="1">
                 <a:latin typeface="Consolas" panose="020B0609020204030204" pitchFamily="49" charset="0"/>
               </a:rPr>
               <a:t>parseStatement</a:t>
             </a:r>
             <a:r>
-              <a:rPr lang="en-US" dirty="0">
+              <a:rPr lang="en-US">
                 <a:latin typeface="Consolas" panose="020B0609020204030204" pitchFamily="49" charset="0"/>
               </a:rPr>
               <a:t>()</a:t>
@@ -6389,23 +6389,23 @@
           <a:lstStyle/>
           <a:p>
             <a:r>
-              <a:rPr lang="en-US" dirty="0"/>
+              <a:rPr lang="en-US"/>
               <a:t>Method </a:t>
             </a:r>
             <a:r>
-              <a:rPr lang="en-US" dirty="0" err="1">
+              <a:rPr lang="en-US" err="1">
                 <a:latin typeface="Consolas" panose="020B0609020204030204" pitchFamily="49" charset="0"/>
               </a:rPr>
               <a:t>parseStatement</a:t>
             </a:r>
             <a:r>
-              <a:rPr lang="en-US" dirty="0">
+              <a:rPr lang="en-US">
                 <a:latin typeface="Consolas" panose="020B0609020204030204" pitchFamily="49" charset="0"/>
               </a:rPr>
               <a:t>()</a:t>
             </a:r>
             <a:r>
-              <a:rPr lang="en-US" dirty="0"/>
+              <a:rPr lang="en-US"/>
               <a:t> handles the rule</a:t>
             </a:r>
           </a:p>
@@ -6414,42 +6414,42 @@
               <a:buNone/>
             </a:pPr>
             <a:r>
-              <a:rPr lang="en-US" sz="1800" dirty="0">
+              <a:rPr lang="en-US" sz="1800">
                 <a:latin typeface="Consolas" panose="020B0609020204030204" pitchFamily="49" charset="0"/>
               </a:rPr>
               <a:t>statement = </a:t>
             </a:r>
             <a:r>
-              <a:rPr lang="en-US" sz="1800" dirty="0" err="1">
+              <a:rPr lang="en-US" sz="1800" err="1">
                 <a:latin typeface="Consolas" panose="020B0609020204030204" pitchFamily="49" charset="0"/>
               </a:rPr>
               <a:t>compoundStmt</a:t>
             </a:r>
             <a:r>
-              <a:rPr lang="en-US" sz="1800" dirty="0">
+              <a:rPr lang="en-US" sz="1800">
                 <a:latin typeface="Consolas" panose="020B0609020204030204" pitchFamily="49" charset="0"/>
               </a:rPr>
               <a:t> | </a:t>
             </a:r>
             <a:r>
-              <a:rPr lang="en-US" sz="1800" dirty="0" err="1">
+              <a:rPr lang="en-US" sz="1800" err="1">
                 <a:latin typeface="Consolas" panose="020B0609020204030204" pitchFamily="49" charset="0"/>
               </a:rPr>
               <a:t>assignmentStmt</a:t>
             </a:r>
             <a:r>
-              <a:rPr lang="en-US" sz="1800" dirty="0">
+              <a:rPr lang="en-US" sz="1800">
                 <a:latin typeface="Consolas" panose="020B0609020204030204" pitchFamily="49" charset="0"/>
               </a:rPr>
               <a:t> | </a:t>
             </a:r>
             <a:r>
-              <a:rPr lang="en-US" sz="1800" dirty="0" err="1">
+              <a:rPr lang="en-US" sz="1800" err="1">
                 <a:latin typeface="Consolas" panose="020B0609020204030204" pitchFamily="49" charset="0"/>
               </a:rPr>
               <a:t>ifStmt</a:t>
             </a:r>
-            <a:endParaRPr lang="en-US" sz="1800" dirty="0">
+            <a:endParaRPr lang="en-US" sz="1800">
               <a:latin typeface="Consolas" panose="020B0609020204030204" pitchFamily="49" charset="0"/>
             </a:endParaRPr>
           </a:p>
@@ -6458,30 +6458,30 @@
               <a:buNone/>
             </a:pPr>
             <a:r>
-              <a:rPr lang="en-US" sz="1800" dirty="0">
+              <a:rPr lang="en-US" sz="1800">
                 <a:latin typeface="Consolas" panose="020B0609020204030204" pitchFamily="49" charset="0"/>
               </a:rPr>
               <a:t>          | loopStmt | </a:t>
             </a:r>
             <a:r>
-              <a:rPr lang="en-US" sz="1800" dirty="0" err="1">
+              <a:rPr lang="en-US" sz="1800" err="1">
                 <a:latin typeface="Consolas" panose="020B0609020204030204" pitchFamily="49" charset="0"/>
               </a:rPr>
               <a:t>exitStmt</a:t>
             </a:r>
             <a:r>
-              <a:rPr lang="en-US" sz="1800" dirty="0">
+              <a:rPr lang="en-US" sz="1800">
                 <a:latin typeface="Consolas" panose="020B0609020204030204" pitchFamily="49" charset="0"/>
               </a:rPr>
               <a:t> | readStmt | </a:t>
             </a:r>
             <a:r>
-              <a:rPr lang="en-US" sz="1800" dirty="0" err="1">
+              <a:rPr lang="en-US" sz="1800" err="1">
                 <a:latin typeface="Consolas" panose="020B0609020204030204" pitchFamily="49" charset="0"/>
               </a:rPr>
               <a:t>writeStmt</a:t>
             </a:r>
-            <a:endParaRPr lang="en-US" sz="1800" dirty="0">
+            <a:endParaRPr lang="en-US" sz="1800">
               <a:latin typeface="Consolas" panose="020B0609020204030204" pitchFamily="49" charset="0"/>
             </a:endParaRPr>
           </a:p>
@@ -6490,19 +6490,19 @@
               <a:buNone/>
             </a:pPr>
             <a:r>
-              <a:rPr lang="en-US" sz="1800" dirty="0">
+              <a:rPr lang="en-US" sz="1800">
                 <a:latin typeface="Consolas" panose="020B0609020204030204" pitchFamily="49" charset="0"/>
               </a:rPr>
               <a:t>          | </a:t>
             </a:r>
             <a:r>
-              <a:rPr lang="en-US" sz="1800" dirty="0" err="1">
+              <a:rPr lang="en-US" sz="1800" err="1">
                 <a:latin typeface="Consolas" panose="020B0609020204030204" pitchFamily="49" charset="0"/>
               </a:rPr>
               <a:t>writelnStmt</a:t>
             </a:r>
             <a:r>
-              <a:rPr lang="en-US" sz="1800" dirty="0">
+              <a:rPr lang="en-US" sz="1800">
                 <a:latin typeface="Consolas" panose="020B0609020204030204" pitchFamily="49" charset="0"/>
               </a:rPr>
               <a:t> | procedureCallStmt | returnStmt .</a:t>
@@ -6510,29 +6510,29 @@
           </a:p>
           <a:p>
             <a:r>
-              <a:rPr lang="en-US" dirty="0"/>
+              <a:rPr lang="en-US"/>
               <a:t>Error recovery for </a:t>
             </a:r>
             <a:r>
-              <a:rPr lang="en-US" dirty="0">
+              <a:rPr lang="en-US">
                 <a:latin typeface="Consolas" panose="020B0609020204030204" pitchFamily="49" charset="0"/>
               </a:rPr>
               <a:t>parseStatement()</a:t>
             </a:r>
             <a:r>
-              <a:rPr lang="en-US" dirty="0"/>
+              <a:rPr lang="en-US"/>
               <a:t> requires special care when the symbol is an identifier since an identifier can not only start a statement but can also appear elsewhere in the statement.</a:t>
             </a:r>
           </a:p>
           <a:p>
             <a:r>
-              <a:rPr lang="en-US" dirty="0"/>
+              <a:rPr lang="en-US"/>
               <a:t>Consider, for example, an assignment statement or a procedure call statement.  If we advance to an identifier, we could be in the middle of a statement rather than at the start of the next statement.</a:t>
             </a:r>
           </a:p>
           <a:p>
             <a:pPr lvl="1"/>
-            <a:endParaRPr lang="en-US" dirty="0"/>
+            <a:endParaRPr lang="en-US"/>
           </a:p>
         </p:txBody>
       </p:sp>
@@ -6627,35 +6627,35 @@
           <a:lstStyle/>
           <a:p>
             <a:r>
-              <a:rPr lang="en-US" dirty="0"/>
+              <a:rPr lang="en-US"/>
               <a:t>Error Recovery for </a:t>
             </a:r>
             <a:r>
-              <a:rPr lang="en-US" dirty="0" err="1">
+              <a:rPr lang="en-US" err="1">
                 <a:latin typeface="Consolas" pitchFamily="49" charset="0"/>
                 <a:cs typeface="Consolas" pitchFamily="49" charset="0"/>
               </a:rPr>
               <a:t>parseStatement</a:t>
             </a:r>
             <a:r>
-              <a:rPr lang="en-US" dirty="0">
+              <a:rPr lang="en-US">
                 <a:latin typeface="Consolas" pitchFamily="49" charset="0"/>
                 <a:cs typeface="Consolas" pitchFamily="49" charset="0"/>
               </a:rPr>
               <a:t>()</a:t>
             </a:r>
             <a:br>
-              <a:rPr lang="en-US" dirty="0">
+              <a:rPr lang="en-US">
                 <a:cs typeface="Consolas" pitchFamily="49" charset="0"/>
               </a:rPr>
             </a:br>
             <a:r>
-              <a:rPr lang="en-US" sz="2400" dirty="0">
+              <a:rPr lang="en-US" sz="2400">
                 <a:cs typeface="Consolas" pitchFamily="49" charset="0"/>
               </a:rPr>
               <a:t>(continued)</a:t>
             </a:r>
-            <a:endParaRPr lang="en-US" sz="2400" dirty="0">
+            <a:endParaRPr lang="en-US" sz="2400">
               <a:latin typeface="Consolas" pitchFamily="49" charset="0"/>
               <a:cs typeface="Consolas" pitchFamily="49" charset="0"/>
             </a:endParaRPr>
@@ -6678,14 +6678,15 @@
           <a:lstStyle/>
           <a:p>
             <a:r>
-              <a:rPr lang="en-US" dirty="0"/>
-              <a:t>Since the most common identifier-related error is to declare or reference an identifier incorrectly, we will assume that this is the case and advance to the next semicolon before implementing error recovery.</a:t>
-            </a:r>
-          </a:p>
-          <a:p>
-            <a:r>
-              <a:rPr lang="en-US" dirty="0"/>
-              <a:t>The goal is that by advancing to the next semicolon, we hopefully move the scanner to the end of the erroneous statement.</a:t>
+              <a:rPr lang="en-US"/>
+              <a:t>Since the most common identifier-related error is to declare or reference an identifier incorrectly, we will assume that this is the case and advance to the end of the current statement before implementing error recovery.</a:t>
+            </a:r>
+          </a:p>
+          <a:p>
+            <a:pPr lvl="1"/>
+            <a:r>
+              <a:rPr lang="en-US"/>
+              <a:t>The end of the current statement will be either a semicolon or (for a compound statement) a right brace.</a:t>
             </a:r>
           </a:p>
         </p:txBody>
@@ -6751,7 +6752,7 @@
     </p:spTree>
     <p:extLst>
       <p:ext uri="{BB962C8B-B14F-4D97-AF65-F5344CB8AC3E}">
-        <p14:creationId xmlns:p14="http://schemas.microsoft.com/office/powerpoint/2010/main" val="3356100262"/>
+        <p14:creationId xmlns:p14="http://schemas.microsoft.com/office/powerpoint/2010/main" val="3393790988"/>
       </p:ext>
     </p:extLst>
   </p:cSld>
@@ -6794,26 +6795,26 @@
           <a:lstStyle/>
           <a:p>
             <a:r>
-              <a:rPr lang="en-US" dirty="0"/>
+              <a:rPr lang="en-US"/>
               <a:t>Error Recovery for </a:t>
             </a:r>
             <a:r>
-              <a:rPr lang="en-US" dirty="0" err="1">
+              <a:rPr lang="en-US" err="1">
                 <a:latin typeface="Consolas" panose="020B0609020204030204" pitchFamily="49" charset="0"/>
               </a:rPr>
               <a:t>parseStatement</a:t>
             </a:r>
             <a:r>
-              <a:rPr lang="en-US" dirty="0">
+              <a:rPr lang="en-US">
                 <a:latin typeface="Consolas" panose="020B0609020204030204" pitchFamily="49" charset="0"/>
               </a:rPr>
               <a:t>()</a:t>
             </a:r>
             <a:br>
-              <a:rPr lang="en-US" dirty="0"/>
+              <a:rPr lang="en-US"/>
             </a:br>
             <a:r>
-              <a:rPr lang="en-US" sz="2400" dirty="0"/>
+              <a:rPr lang="en-US" sz="2400"/>
               <a:t>(continued)</a:t>
             </a:r>
           </a:p>
@@ -6900,7 +6901,7 @@
               <a:rPr lang="en-US" sz="1800" dirty="0">
                 <a:latin typeface="Consolas" panose="020B0609020204030204" pitchFamily="49" charset="0"/>
               </a:rPr>
-              <a:t>catch (e: </a:t>
+              <a:t>catch (e : </a:t>
             </a:r>
             <a:r>
               <a:rPr lang="en-US" sz="1800" dirty="0" err="1">
@@ -6954,6 +6955,29 @@
               </a:rPr>
               <a:t>(e)</a:t>
             </a:r>
+            <a:br>
+              <a:rPr lang="en-US" sz="1800" dirty="0">
+                <a:latin typeface="Consolas" panose="020B0609020204030204" pitchFamily="49" charset="0"/>
+              </a:rPr>
+            </a:br>
+            <a:r>
+              <a:rPr lang="en-US" sz="1800" b="1" dirty="0">
+                <a:latin typeface="Consolas" panose="020B0609020204030204" pitchFamily="49" charset="0"/>
+              </a:rPr>
+              <a:t>    </a:t>
+            </a:r>
+            <a:r>
+              <a:rPr lang="en-US" sz="1800" b="1" dirty="0" err="1">
+                <a:latin typeface="Consolas" panose="020B0609020204030204" pitchFamily="49" charset="0"/>
+              </a:rPr>
+              <a:t>scanner.advanceTo</a:t>
+            </a:r>
+            <a:r>
+              <a:rPr lang="en-US" sz="1800" b="1" dirty="0">
+                <a:latin typeface="Consolas" panose="020B0609020204030204" pitchFamily="49" charset="0"/>
+              </a:rPr>
+              <a:t>(</a:t>
+            </a:r>
           </a:p>
           <a:p>
             <a:pPr marL="274320" indent="0">
@@ -6966,19 +6990,31 @@
               <a:rPr lang="en-US" sz="1800" b="1" dirty="0">
                 <a:latin typeface="Consolas" panose="020B0609020204030204" pitchFamily="49" charset="0"/>
               </a:rPr>
-              <a:t>    </a:t>
+              <a:t>            </a:t>
             </a:r>
             <a:r>
               <a:rPr lang="en-US" sz="1800" b="1" dirty="0" err="1">
                 <a:latin typeface="Consolas" panose="020B0609020204030204" pitchFamily="49" charset="0"/>
               </a:rPr>
-              <a:t>scanner.advanceTo</a:t>
+              <a:t>EnumSet.of</a:t>
             </a:r>
             <a:r>
               <a:rPr lang="en-US" sz="1800" b="1" dirty="0">
                 <a:latin typeface="Consolas" panose="020B0609020204030204" pitchFamily="49" charset="0"/>
               </a:rPr>
-              <a:t>(Symbol.semicolon)</a:t>
+              <a:t>(Symbol.semicolon, </a:t>
+            </a:r>
+            <a:r>
+              <a:rPr lang="en-US" sz="1800" b="1" dirty="0" err="1">
+                <a:latin typeface="Consolas" panose="020B0609020204030204" pitchFamily="49" charset="0"/>
+              </a:rPr>
+              <a:t>Symbol.rightBrace</a:t>
+            </a:r>
+            <a:r>
+              <a:rPr lang="en-US" sz="1800" b="1" dirty="0">
+                <a:latin typeface="Consolas" panose="020B0609020204030204" pitchFamily="49" charset="0"/>
+              </a:rPr>
+              <a:t>))</a:t>
             </a:r>
           </a:p>
           <a:p>
@@ -7078,7 +7114,7 @@
           <p:cNvPr id="6" name="TextBox 5">
             <a:extLst>
               <a:ext uri="{FF2B5EF4-FFF2-40B4-BE49-F238E27FC236}">
-                <a16:creationId xmlns:a16="http://schemas.microsoft.com/office/drawing/2014/main" id="{09195207-C3B8-3BB2-5EA8-4DBC298B6028}"/>
+                <a16:creationId xmlns:a16="http://schemas.microsoft.com/office/drawing/2014/main" id="{D4E6AD2E-2B4E-0C39-FDBB-20074A8855BC}"/>
               </a:ext>
             </a:extLst>
           </p:cNvPr>
@@ -7087,7 +7123,7 @@
         </p:nvSpPr>
         <p:spPr>
           <a:xfrm>
-            <a:off x="3527613" y="4400490"/>
+            <a:off x="3514913" y="4705290"/>
             <a:ext cx="3558987" cy="400110"/>
           </a:xfrm>
           <a:prstGeom prst="rect">
@@ -7107,7 +7143,7 @@
           <a:lstStyle/>
           <a:p>
             <a:r>
-              <a:rPr lang="en-US" sz="2000" dirty="0"/>
+              <a:rPr lang="en-US" sz="2000"/>
               <a:t>Note use of shared follow set.</a:t>
             </a:r>
           </a:p>
@@ -7118,7 +7154,7 @@
           <p:cNvPr id="7" name="Diamond 6">
             <a:extLst>
               <a:ext uri="{FF2B5EF4-FFF2-40B4-BE49-F238E27FC236}">
-                <a16:creationId xmlns:a16="http://schemas.microsoft.com/office/drawing/2014/main" id="{98C1A92E-2651-FB9F-2A38-769BF53EF7AF}"/>
+                <a16:creationId xmlns:a16="http://schemas.microsoft.com/office/drawing/2014/main" id="{DDC62837-C171-844F-3035-57D8FFBD5773}"/>
               </a:ext>
             </a:extLst>
           </p:cNvPr>
@@ -7127,7 +7163,7 @@
         </p:nvSpPr>
         <p:spPr bwMode="auto">
           <a:xfrm>
-            <a:off x="2971800" y="3974432"/>
+            <a:off x="2971800" y="4279900"/>
             <a:ext cx="182880" cy="182880"/>
           </a:xfrm>
           <a:prstGeom prst="diamond">
@@ -7185,7 +7221,7 @@
           <p:cNvPr id="8" name="Connector: Elbow 7">
             <a:extLst>
               <a:ext uri="{FF2B5EF4-FFF2-40B4-BE49-F238E27FC236}">
-                <a16:creationId xmlns:a16="http://schemas.microsoft.com/office/drawing/2014/main" id="{3D562B98-EC20-3EDE-EE6F-F5FCB8384853}"/>
+                <a16:creationId xmlns:a16="http://schemas.microsoft.com/office/drawing/2014/main" id="{F0B073BF-B54A-C68E-6791-D1B0B31EB636}"/>
               </a:ext>
             </a:extLst>
           </p:cNvPr>
@@ -7198,8 +7234,8 @@
         </p:nvCxnSpPr>
         <p:spPr bwMode="auto">
           <a:xfrm rot="10800000">
-            <a:off x="3063241" y="4157313"/>
-            <a:ext cx="464373" cy="443233"/>
+            <a:off x="3063241" y="4462781"/>
+            <a:ext cx="451673" cy="442565"/>
           </a:xfrm>
           <a:prstGeom prst="bentConnector2">
             <a:avLst/>
@@ -7264,7 +7300,7 @@
           <a:lstStyle/>
           <a:p>
             <a:r>
-              <a:rPr lang="en-US" dirty="0"/>
+              <a:rPr lang="en-US"/>
               <a:t>Error Recovery for Initial Declarations</a:t>
             </a:r>
           </a:p>
@@ -7292,8 +7328,8 @@
           <a:lstStyle/>
           <a:p>
             <a:r>
-              <a:rPr lang="en-US" dirty="0"/>
-              <a:t>From the rule </a:t>
+              <a:rPr lang="en-US"/>
+              <a:t>From the rule</a:t>
             </a:r>
           </a:p>
           <a:p>
@@ -7301,25 +7337,31 @@
               <a:buNone/>
             </a:pPr>
             <a:r>
-              <a:rPr lang="en-US" dirty="0" err="1">
+              <a:rPr lang="en-US">
+                <a:latin typeface="Consolas" panose="020B0609020204030204" pitchFamily="49" charset="0"/>
+              </a:rPr>
+              <a:t> </a:t>
+            </a:r>
+            <a:r>
+              <a:rPr lang="en-US" err="1">
                 <a:latin typeface="Consolas" panose="020B0609020204030204" pitchFamily="49" charset="0"/>
               </a:rPr>
               <a:t>initialDecls</a:t>
             </a:r>
             <a:r>
-              <a:rPr lang="en-US" dirty="0">
+              <a:rPr lang="en-US">
                 <a:latin typeface="Consolas" panose="020B0609020204030204" pitchFamily="49" charset="0"/>
               </a:rPr>
               <a:t> = { </a:t>
             </a:r>
             <a:r>
-              <a:rPr lang="en-US" dirty="0" err="1">
+              <a:rPr lang="en-US" err="1">
                 <a:latin typeface="Consolas" panose="020B0609020204030204" pitchFamily="49" charset="0"/>
               </a:rPr>
               <a:t>initialDecl</a:t>
             </a:r>
             <a:r>
-              <a:rPr lang="en-US" dirty="0">
+              <a:rPr lang="en-US">
                 <a:latin typeface="Consolas" panose="020B0609020204030204" pitchFamily="49" charset="0"/>
               </a:rPr>
               <a:t> } .</a:t>
@@ -7333,170 +7375,85 @@
               <a:buNone/>
             </a:pPr>
             <a:r>
-              <a:rPr lang="en-US" dirty="0"/>
+              <a:rPr lang="en-US"/>
               <a:t>we know that another </a:t>
             </a:r>
             <a:r>
-              <a:rPr lang="en-US" dirty="0" err="1">
+              <a:rPr lang="en-US" err="1">
                 <a:latin typeface="Consolas" panose="020B0609020204030204" pitchFamily="49" charset="0"/>
               </a:rPr>
               <a:t>initialDecl</a:t>
             </a:r>
             <a:r>
-              <a:rPr lang="en-US" dirty="0"/>
+              <a:rPr lang="en-US"/>
               <a:t> can follow </a:t>
             </a:r>
             <a:r>
-              <a:rPr lang="en-US" dirty="0" err="1">
+              <a:rPr lang="en-US" err="1">
                 <a:latin typeface="Consolas" panose="020B0609020204030204" pitchFamily="49" charset="0"/>
               </a:rPr>
               <a:t>initialDecl</a:t>
             </a:r>
             <a:r>
-              <a:rPr lang="en-US" dirty="0"/>
+              <a:rPr lang="en-US"/>
               <a:t>, so the follow set for </a:t>
             </a:r>
             <a:r>
-              <a:rPr lang="en-US" dirty="0" err="1">
+              <a:rPr lang="en-US" err="1">
                 <a:latin typeface="Consolas" panose="020B0609020204030204" pitchFamily="49" charset="0"/>
               </a:rPr>
               <a:t>initialDecl</a:t>
             </a:r>
             <a:r>
-              <a:rPr lang="en-US" dirty="0"/>
+              <a:rPr lang="en-US"/>
               <a:t> includes </a:t>
             </a:r>
             <a:r>
-              <a:rPr lang="en-US" sz="2300" dirty="0"/>
+              <a:rPr lang="en-US" sz="2300"/>
               <a:t>“</a:t>
             </a:r>
             <a:r>
-              <a:rPr lang="en-US" sz="2300" dirty="0">
+              <a:rPr lang="en-US" sz="2300">
                 <a:latin typeface="Consolas" panose="020B0609020204030204" pitchFamily="49" charset="0"/>
               </a:rPr>
               <a:t>const</a:t>
             </a:r>
             <a:r>
-              <a:rPr lang="en-US" sz="2300" dirty="0"/>
+              <a:rPr lang="en-US" sz="2300"/>
               <a:t>”, “</a:t>
             </a:r>
             <a:r>
-              <a:rPr lang="en-US" sz="2300" dirty="0">
+              <a:rPr lang="en-US" sz="2300">
                 <a:latin typeface="Consolas" panose="020B0609020204030204" pitchFamily="49" charset="0"/>
               </a:rPr>
               <a:t>var</a:t>
             </a:r>
             <a:r>
-              <a:rPr lang="en-US" sz="2300" dirty="0"/>
+              <a:rPr lang="en-US" sz="2300"/>
               <a:t>”, and “</a:t>
             </a:r>
             <a:r>
-              <a:rPr lang="en-US" sz="2300" dirty="0">
+              <a:rPr lang="en-US" sz="2300">
                 <a:latin typeface="Consolas" panose="020B0609020204030204" pitchFamily="49" charset="0"/>
               </a:rPr>
               <a:t>type</a:t>
             </a:r>
             <a:r>
-              <a:rPr lang="en-US" sz="2300" dirty="0"/>
+              <a:rPr lang="en-US" sz="2300"/>
               <a:t>”.</a:t>
             </a:r>
           </a:p>
           <a:p>
             <a:r>
-              <a:rPr lang="en-US" dirty="0"/>
-              <a:t>Two cases</a:t>
-            </a:r>
-          </a:p>
-          <a:p>
-            <a:pPr lvl="1"/>
-            <a:r>
-              <a:rPr lang="en-US" dirty="0"/>
-              <a:t>Case 1: </a:t>
-            </a:r>
-            <a:r>
-              <a:rPr lang="en-US" dirty="0" err="1">
-                <a:latin typeface="Consolas" panose="020B0609020204030204" pitchFamily="49" charset="0"/>
-              </a:rPr>
-              <a:t>initialDecl</a:t>
-            </a:r>
-            <a:r>
-              <a:rPr lang="en-US" dirty="0"/>
-              <a:t> appears as a global declaration</a:t>
-            </a:r>
-          </a:p>
-          <a:p>
-            <a:pPr lvl="2"/>
-            <a:r>
-              <a:rPr lang="en-US" dirty="0"/>
-              <a:t>can be followed by a subprogram</a:t>
-            </a:r>
-          </a:p>
-          <a:p>
-            <a:pPr lvl="2"/>
-            <a:r>
-              <a:rPr lang="en-US" dirty="0"/>
-              <a:t>follow set includes “</a:t>
-            </a:r>
-            <a:r>
-              <a:rPr lang="en-US" dirty="0">
-                <a:latin typeface="Consolas" panose="020B0609020204030204" pitchFamily="49" charset="0"/>
-              </a:rPr>
-              <a:t>proc</a:t>
-            </a:r>
-            <a:r>
-              <a:rPr lang="en-US" dirty="0"/>
-              <a:t>” and “</a:t>
-            </a:r>
-            <a:r>
-              <a:rPr lang="en-US" dirty="0">
-                <a:latin typeface="Consolas" panose="020B0609020204030204" pitchFamily="49" charset="0"/>
-              </a:rPr>
-              <a:t>fun</a:t>
-            </a:r>
-            <a:r>
-              <a:rPr lang="en-US" dirty="0"/>
-              <a:t>”</a:t>
-            </a:r>
-          </a:p>
-          <a:p>
-            <a:pPr lvl="1"/>
-            <a:r>
-              <a:rPr lang="en-US" dirty="0"/>
-              <a:t>Case 2: </a:t>
-            </a:r>
-            <a:r>
-              <a:rPr lang="en-US" dirty="0" err="1">
-                <a:latin typeface="Consolas" panose="020B0609020204030204" pitchFamily="49" charset="0"/>
-              </a:rPr>
-              <a:t>initialDecl</a:t>
-            </a:r>
-            <a:r>
-              <a:rPr lang="en-US" dirty="0"/>
-              <a:t> appears within a subprogram</a:t>
-            </a:r>
-          </a:p>
-          <a:p>
-            <a:pPr lvl="2"/>
-            <a:r>
-              <a:rPr lang="en-US" dirty="0"/>
-              <a:t>can be followed by zero or more statements</a:t>
-            </a:r>
-          </a:p>
-          <a:p>
-            <a:pPr lvl="2"/>
-            <a:r>
-              <a:rPr lang="en-US" dirty="0"/>
-              <a:t>follow set includes </a:t>
-            </a:r>
-            <a:r>
-              <a:rPr lang="en-US" dirty="0">
-                <a:latin typeface="Consolas" panose="020B0609020204030204" pitchFamily="49" charset="0"/>
-              </a:rPr>
-              <a:t>Follow(statement)</a:t>
-            </a:r>
-          </a:p>
-          <a:p>
-            <a:endParaRPr lang="en-US" dirty="0"/>
+              <a:rPr lang="en-US"/>
+              <a:t>But the follow set differs depending on whether the initial declaration appears as a global declaration or within a subprogram.</a:t>
+            </a:r>
+          </a:p>
+          <a:p>
+            <a:r>
+              <a:rPr lang="en-US"/>
+              <a:t>Solution: Compute the shared follow set dynamically based on scope level.</a:t>
+            </a:r>
           </a:p>
         </p:txBody>
       </p:sp>
@@ -7525,7 +7482,7 @@
               <a:defRPr/>
             </a:pPr>
             <a:r>
-              <a:rPr lang="en-US" dirty="0"/>
+              <a:rPr lang="en-US"/>
               <a:t>©SoftMoore Consulting</a:t>
             </a:r>
           </a:p>
@@ -7573,7 +7530,7 @@
     </p:spTree>
     <p:extLst>
       <p:ext uri="{BB962C8B-B14F-4D97-AF65-F5344CB8AC3E}">
-        <p14:creationId xmlns:p14="http://schemas.microsoft.com/office/powerpoint/2010/main" val="1644629182"/>
+        <p14:creationId xmlns:p14="http://schemas.microsoft.com/office/powerpoint/2010/main" val="3064216617"/>
       </p:ext>
     </p:extLst>
   </p:cSld>
@@ -7588,7 +7545,13 @@
   <p:cSld>
     <p:spTree>
       <p:nvGrpSpPr>
-        <p:cNvPr id="1" name=""/>
+        <p:cNvPr id="1" name="">
+          <a:extLst>
+            <a:ext uri="{FF2B5EF4-FFF2-40B4-BE49-F238E27FC236}">
+              <a16:creationId xmlns:a16="http://schemas.microsoft.com/office/drawing/2014/main" id="{E8F2EF01-EB2E-855A-E199-49A9A11C836D}"/>
+            </a:ext>
+          </a:extLst>
+        </p:cNvPr>
         <p:cNvGrpSpPr/>
         <p:nvPr/>
       </p:nvGrpSpPr>
@@ -7605,7 +7568,7 @@
           <p:cNvPr id="2" name="Title 1">
             <a:extLst>
               <a:ext uri="{FF2B5EF4-FFF2-40B4-BE49-F238E27FC236}">
-                <a16:creationId xmlns:a16="http://schemas.microsoft.com/office/drawing/2014/main" id="{5852A216-5CD4-486A-BEA9-A6311DEAF777}"/>
+                <a16:creationId xmlns:a16="http://schemas.microsoft.com/office/drawing/2014/main" id="{1511D0A8-827E-D452-3E17-B716DD92C32C}"/>
               </a:ext>
             </a:extLst>
           </p:cNvPr>
@@ -7622,14 +7585,14 @@
           <a:lstStyle/>
           <a:p>
             <a:r>
-              <a:rPr lang="en-US" dirty="0"/>
+              <a:rPr lang="en-US"/>
               <a:t>Error Recovery for Initial Declarations</a:t>
             </a:r>
             <a:br>
-              <a:rPr lang="en-US" dirty="0"/>
+              <a:rPr lang="en-US"/>
             </a:br>
             <a:r>
-              <a:rPr lang="en-US" dirty="0"/>
+              <a:rPr lang="en-US" sz="2400"/>
               <a:t>(continued)</a:t>
             </a:r>
           </a:p>
@@ -7640,7 +7603,7 @@
           <p:cNvPr id="3" name="Content Placeholder 2">
             <a:extLst>
               <a:ext uri="{FF2B5EF4-FFF2-40B4-BE49-F238E27FC236}">
-                <a16:creationId xmlns:a16="http://schemas.microsoft.com/office/drawing/2014/main" id="{CDC71971-D02D-43BB-BFB3-273DA2C6B5D5}"/>
+                <a16:creationId xmlns:a16="http://schemas.microsoft.com/office/drawing/2014/main" id="{10653D13-43F7-7F99-93DA-20DA37E15AC9}"/>
               </a:ext>
             </a:extLst>
           </p:cNvPr>
@@ -7651,18 +7614,139 @@
             <p:ph idx="1"/>
           </p:nvPr>
         </p:nvSpPr>
-        <p:spPr/>
-        <p:txBody>
-          <a:bodyPr/>
-          <a:lstStyle/>
-          <a:p>
-            <a:r>
-              <a:rPr lang="en-US" dirty="0"/>
-              <a:t>Solution: Compute the shared follow set dynamically based on scope level.</a:t>
-            </a:r>
-          </a:p>
-          <a:p>
-            <a:endParaRPr lang="en-US" dirty="0"/>
+        <p:spPr>
+          <a:xfrm>
+            <a:off x="458787" y="1363663"/>
+            <a:ext cx="8412480" cy="4935537"/>
+          </a:xfrm>
+        </p:spPr>
+        <p:txBody>
+          <a:bodyPr/>
+          <a:lstStyle/>
+          <a:p>
+            <a:r>
+              <a:rPr lang="en-US"/>
+              <a:t>Two cases</a:t>
+            </a:r>
+          </a:p>
+          <a:p>
+            <a:pPr lvl="1"/>
+            <a:r>
+              <a:rPr lang="en-US"/>
+              <a:t>Case 1: </a:t>
+            </a:r>
+            <a:r>
+              <a:rPr lang="en-US" err="1">
+                <a:latin typeface="Consolas" panose="020B0609020204030204" pitchFamily="49" charset="0"/>
+              </a:rPr>
+              <a:t>initialDecl</a:t>
+            </a:r>
+            <a:r>
+              <a:rPr lang="en-US"/>
+              <a:t> appears as a global declaration</a:t>
+            </a:r>
+          </a:p>
+          <a:p>
+            <a:pPr lvl="2"/>
+            <a:r>
+              <a:rPr lang="en-US"/>
+              <a:t>can be followed by a subprogram</a:t>
+            </a:r>
+          </a:p>
+          <a:p>
+            <a:pPr lvl="2"/>
+            <a:r>
+              <a:rPr lang="en-US"/>
+              <a:t>follow set includes “</a:t>
+            </a:r>
+            <a:r>
+              <a:rPr lang="en-US">
+                <a:latin typeface="Consolas" panose="020B0609020204030204" pitchFamily="49" charset="0"/>
+              </a:rPr>
+              <a:t>proc</a:t>
+            </a:r>
+            <a:r>
+              <a:rPr lang="en-US"/>
+              <a:t>” and “</a:t>
+            </a:r>
+            <a:r>
+              <a:rPr lang="en-US">
+                <a:latin typeface="Consolas" panose="020B0609020204030204" pitchFamily="49" charset="0"/>
+              </a:rPr>
+              <a:t>fun</a:t>
+            </a:r>
+            <a:r>
+              <a:rPr lang="en-US"/>
+              <a:t>”</a:t>
+            </a:r>
+          </a:p>
+          <a:p>
+            <a:pPr lvl="1"/>
+            <a:r>
+              <a:rPr lang="en-US"/>
+              <a:t>Case 2: </a:t>
+            </a:r>
+            <a:r>
+              <a:rPr lang="en-US" err="1">
+                <a:latin typeface="Consolas" panose="020B0609020204030204" pitchFamily="49" charset="0"/>
+              </a:rPr>
+              <a:t>initialDecl</a:t>
+            </a:r>
+            <a:r>
+              <a:rPr lang="en-US"/>
+              <a:t> appears within a subprogram</a:t>
+            </a:r>
+          </a:p>
+          <a:p>
+            <a:pPr lvl="2"/>
+            <a:r>
+              <a:rPr lang="en-US"/>
+              <a:t>can be followed by zero or more statements</a:t>
+            </a:r>
+          </a:p>
+          <a:p>
+            <a:pPr lvl="2"/>
+            <a:r>
+              <a:rPr lang="en-US"/>
+              <a:t>follow set includes </a:t>
+            </a:r>
+            <a:r>
+              <a:rPr lang="en-US">
+                <a:latin typeface="Consolas" panose="020B0609020204030204" pitchFamily="49" charset="0"/>
+              </a:rPr>
+              <a:t>First(statement)</a:t>
+            </a:r>
+            <a:r>
+              <a:rPr lang="en-US"/>
+              <a:t> or, if there are zero statements, a right brace</a:t>
+            </a:r>
+          </a:p>
+          <a:p>
+            <a:pPr lvl="2"/>
+            <a:r>
+              <a:rPr lang="en-US"/>
+              <a:t>Note: </a:t>
+            </a:r>
+            <a:r>
+              <a:rPr lang="en-US" sz="1700">
+                <a:latin typeface="Consolas" panose="020B0609020204030204" pitchFamily="49" charset="0"/>
+              </a:rPr>
+              <a:t>First(statement) + "}" = Follow(statement) - "else"</a:t>
+            </a:r>
+          </a:p>
+          <a:p>
+            <a:pPr marL="1371600" lvl="3" indent="0">
+              <a:buNone/>
+            </a:pPr>
+            <a:r>
+              <a:rPr lang="en-US">
+                <a:latin typeface="Consolas" panose="020B0609020204030204" pitchFamily="49" charset="0"/>
+              </a:rPr>
+              <a:t> </a:t>
+            </a:r>
+          </a:p>
+          <a:p>
+            <a:endParaRPr lang="en-US"/>
           </a:p>
         </p:txBody>
       </p:sp>
@@ -7671,7 +7755,7 @@
           <p:cNvPr id="4" name="Footer Placeholder 3">
             <a:extLst>
               <a:ext uri="{FF2B5EF4-FFF2-40B4-BE49-F238E27FC236}">
-                <a16:creationId xmlns:a16="http://schemas.microsoft.com/office/drawing/2014/main" id="{354990E4-2AF9-417B-89C5-0544A5C8898C}"/>
+                <a16:creationId xmlns:a16="http://schemas.microsoft.com/office/drawing/2014/main" id="{0FF705BB-597A-0B68-325F-36C35352CC51}"/>
               </a:ext>
             </a:extLst>
           </p:cNvPr>
@@ -7687,8 +7771,11 @@
           <a:bodyPr/>
           <a:lstStyle/>
           <a:p>
-            <a:r>
-              <a:rPr lang="en-US" dirty="0"/>
+            <a:pPr>
+              <a:defRPr/>
+            </a:pPr>
+            <a:r>
+              <a:rPr lang="en-US"/>
               <a:t>©SoftMoore Consulting</a:t>
             </a:r>
           </a:p>
@@ -7699,7 +7786,7 @@
           <p:cNvPr id="5" name="Slide Number Placeholder 4">
             <a:extLst>
               <a:ext uri="{FF2B5EF4-FFF2-40B4-BE49-F238E27FC236}">
-                <a16:creationId xmlns:a16="http://schemas.microsoft.com/office/drawing/2014/main" id="{EE951B0E-07C8-48F0-A77B-1D8ABD1A2EC8}"/>
+                <a16:creationId xmlns:a16="http://schemas.microsoft.com/office/drawing/2014/main" id="{834F3BBB-482E-25A2-066D-D3489B2AA7E1}"/>
               </a:ext>
             </a:extLst>
           </p:cNvPr>
@@ -7715,13 +7802,18 @@
           <a:bodyPr/>
           <a:lstStyle/>
           <a:p>
+            <a:pPr>
+              <a:defRPr/>
+            </a:pPr>
             <a:r>
               <a:rPr lang="en-US"/>
               <a:t>Slide </a:t>
             </a:r>
             <a:fld id="{5F271557-76C1-4390-9827-E45E8E4E29D5}" type="slidenum">
               <a:rPr lang="en-US" smtClean="0"/>
-              <a:pPr/>
+              <a:pPr>
+                <a:defRPr/>
+              </a:pPr>
               <a:t>18</a:t>
             </a:fld>
             <a:endParaRPr lang="en-US"/>
@@ -7731,7 +7823,7 @@
     </p:spTree>
     <p:extLst>
       <p:ext uri="{BB962C8B-B14F-4D97-AF65-F5344CB8AC3E}">
-        <p14:creationId xmlns:p14="http://schemas.microsoft.com/office/powerpoint/2010/main" val="1955865222"/>
+        <p14:creationId xmlns:p14="http://schemas.microsoft.com/office/powerpoint/2010/main" val="3619428305"/>
       </p:ext>
     </p:extLst>
   </p:cSld>
@@ -7809,7 +7901,12 @@
             <p:ph idx="1"/>
           </p:nvPr>
         </p:nvSpPr>
-        <p:spPr/>
+        <p:spPr>
+          <a:xfrm>
+            <a:off x="426720" y="1363663"/>
+            <a:ext cx="8412480" cy="4935537"/>
+          </a:xfrm>
+        </p:spPr>
         <p:txBody>
           <a:bodyPr/>
           <a:lstStyle/>
@@ -7821,31 +7918,31 @@
               <a:buNone/>
             </a:pPr>
             <a:r>
-              <a:rPr lang="en-US" sz="1800" dirty="0">
+              <a:rPr lang="en-US" sz="1700" dirty="0">
                 <a:latin typeface="Consolas" panose="020B0609020204030204" pitchFamily="49" charset="0"/>
               </a:rPr>
               <a:t>private </a:t>
             </a:r>
             <a:r>
-              <a:rPr lang="en-US" sz="1800" dirty="0" err="1">
+              <a:rPr lang="en-US" sz="1700" dirty="0" err="1">
                 <a:latin typeface="Consolas" panose="020B0609020204030204" pitchFamily="49" charset="0"/>
               </a:rPr>
               <a:t>val</a:t>
             </a:r>
             <a:r>
-              <a:rPr lang="en-US" sz="1800" dirty="0">
+              <a:rPr lang="en-US" sz="1700" dirty="0">
                 <a:latin typeface="Consolas" panose="020B0609020204030204" pitchFamily="49" charset="0"/>
               </a:rPr>
               <a:t> </a:t>
             </a:r>
             <a:r>
-              <a:rPr lang="en-US" sz="1800" dirty="0" err="1">
+              <a:rPr lang="en-US" sz="1700" dirty="0" err="1">
                 <a:latin typeface="Consolas" panose="020B0609020204030204" pitchFamily="49" charset="0"/>
               </a:rPr>
               <a:t>initialDeclFollowers</a:t>
             </a:r>
             <a:r>
-              <a:rPr lang="en-US" sz="1800" dirty="0">
+              <a:rPr lang="en-US" sz="1700" dirty="0">
                 <a:latin typeface="Consolas" panose="020B0609020204030204" pitchFamily="49" charset="0"/>
               </a:rPr>
               <a:t> : Set&lt;Symbol&gt;</a:t>
@@ -7859,7 +7956,7 @@
               <a:buNone/>
             </a:pPr>
             <a:r>
-              <a:rPr lang="en-US" sz="1800" dirty="0">
+              <a:rPr lang="en-US" sz="1700" dirty="0">
                 <a:latin typeface="Consolas" panose="020B0609020204030204" pitchFamily="49" charset="0"/>
               </a:rPr>
               <a:t>    get()</a:t>
@@ -7873,7 +7970,7 @@
               <a:buNone/>
             </a:pPr>
             <a:r>
-              <a:rPr lang="en-US" sz="1800" dirty="0">
+              <a:rPr lang="en-US" sz="1700" dirty="0">
                 <a:latin typeface="Consolas" panose="020B0609020204030204" pitchFamily="49" charset="0"/>
               </a:rPr>
               <a:t>      {</a:t>
@@ -7887,10 +7984,10 @@
               <a:buNone/>
             </a:pPr>
             <a:r>
-              <a:rPr lang="en-US" sz="1800" dirty="0">
-                <a:latin typeface="Consolas" panose="020B0609020204030204" pitchFamily="49" charset="0"/>
-              </a:rPr>
-              <a:t>        // An initial declaration can always be followed</a:t>
+              <a:rPr lang="en-US" sz="1700" dirty="0">
+                <a:latin typeface="Consolas" panose="020B0609020204030204" pitchFamily="49" charset="0"/>
+              </a:rPr>
+              <a:t>        // An initial declaration can always be followed by another</a:t>
             </a:r>
           </a:p>
           <a:p>
@@ -7901,10 +7998,10 @@
               <a:buNone/>
             </a:pPr>
             <a:r>
-              <a:rPr lang="en-US" sz="1800" dirty="0">
-                <a:latin typeface="Consolas" panose="020B0609020204030204" pitchFamily="49" charset="0"/>
-              </a:rPr>
-              <a:t>        // by another initial declaration, regardless of</a:t>
+              <a:rPr lang="en-US" sz="1700" dirty="0">
+                <a:latin typeface="Consolas" panose="020B0609020204030204" pitchFamily="49" charset="0"/>
+              </a:rPr>
+              <a:t>        // initial declaration, regardless of the scope level.</a:t>
             </a:r>
           </a:p>
           <a:p>
@@ -7915,22 +8012,22 @@
               <a:buNone/>
             </a:pPr>
             <a:r>
-              <a:rPr lang="en-US" sz="1800" dirty="0">
-                <a:latin typeface="Consolas" panose="020B0609020204030204" pitchFamily="49" charset="0"/>
-              </a:rPr>
-              <a:t>        // the scope level of </a:t>
-            </a:r>
-            <a:r>
-              <a:rPr lang="en-US" sz="1800" dirty="0" err="1">
-                <a:latin typeface="Consolas" panose="020B0609020204030204" pitchFamily="49" charset="0"/>
-              </a:rPr>
-              <a:t>IdTable</a:t>
-            </a:r>
-            <a:r>
-              <a:rPr lang="en-US" sz="1800" dirty="0">
-                <a:latin typeface="Consolas" panose="020B0609020204030204" pitchFamily="49" charset="0"/>
-              </a:rPr>
-              <a:t>.</a:t>
+              <a:rPr lang="en-US" sz="1700" dirty="0">
+                <a:latin typeface="Consolas" panose="020B0609020204030204" pitchFamily="49" charset="0"/>
+              </a:rPr>
+              <a:t>        </a:t>
+            </a:r>
+            <a:r>
+              <a:rPr lang="en-US" sz="1700" dirty="0" err="1">
+                <a:latin typeface="Consolas" panose="020B0609020204030204" pitchFamily="49" charset="0"/>
+              </a:rPr>
+              <a:t>val</a:t>
+            </a:r>
+            <a:r>
+              <a:rPr lang="en-US" sz="1700" dirty="0">
+                <a:latin typeface="Consolas" panose="020B0609020204030204" pitchFamily="49" charset="0"/>
+              </a:rPr>
+              <a:t> followers =</a:t>
             </a:r>
           </a:p>
           <a:p>
@@ -7941,34 +8038,22 @@
               <a:buNone/>
             </a:pPr>
             <a:r>
-              <a:rPr lang="en-US" sz="1800" dirty="0">
-                <a:latin typeface="Consolas" panose="020B0609020204030204" pitchFamily="49" charset="0"/>
-              </a:rPr>
-              <a:t>        </a:t>
-            </a:r>
-            <a:r>
-              <a:rPr lang="en-US" sz="1800" dirty="0" err="1">
-                <a:latin typeface="Consolas" panose="020B0609020204030204" pitchFamily="49" charset="0"/>
-              </a:rPr>
-              <a:t>val</a:t>
-            </a:r>
-            <a:r>
-              <a:rPr lang="en-US" sz="1800" dirty="0">
-                <a:latin typeface="Consolas" panose="020B0609020204030204" pitchFamily="49" charset="0"/>
-              </a:rPr>
-              <a:t> followers = </a:t>
-            </a:r>
-            <a:r>
-              <a:rPr lang="en-US" sz="1800" dirty="0" err="1">
+              <a:rPr lang="en-US" sz="1700" dirty="0">
+                <a:latin typeface="Consolas" panose="020B0609020204030204" pitchFamily="49" charset="0"/>
+              </a:rPr>
+              <a:t>            </a:t>
+            </a:r>
+            <a:r>
+              <a:rPr lang="en-US" sz="1700" dirty="0" err="1">
                 <a:latin typeface="Consolas" panose="020B0609020204030204" pitchFamily="49" charset="0"/>
               </a:rPr>
               <a:t>EnumSet.of</a:t>
             </a:r>
             <a:r>
-              <a:rPr lang="en-US" sz="1800" dirty="0">
-                <a:latin typeface="Consolas" panose="020B0609020204030204" pitchFamily="49" charset="0"/>
-              </a:rPr>
-              <a:t>(</a:t>
+              <a:rPr lang="en-US" sz="1700" dirty="0">
+                <a:latin typeface="Consolas" panose="020B0609020204030204" pitchFamily="49" charset="0"/>
+              </a:rPr>
+              <a:t>(Symbol.constRW, Symbol.varRW, Symbol.typeRW)</a:t>
             </a:r>
           </a:p>
           <a:p>
@@ -7978,12 +8063,9 @@
               </a:spcBef>
               <a:buNone/>
             </a:pPr>
-            <a:r>
-              <a:rPr lang="en-US" sz="1800" dirty="0">
-                <a:latin typeface="Consolas" panose="020B0609020204030204" pitchFamily="49" charset="0"/>
-              </a:rPr>
-              <a:t>            Symbol.constRW, Symbol.varRW, Symbol.typeRW)</a:t>
-            </a:r>
+            <a:endParaRPr lang="en-US" sz="1700" dirty="0">
+              <a:latin typeface="Consolas" panose="020B0609020204030204" pitchFamily="49" charset="0"/>
+            </a:endParaRPr>
           </a:p>
           <a:p>
             <a:pPr marL="0" indent="0">
@@ -7992,9 +8074,36 @@
               </a:spcBef>
               <a:buNone/>
             </a:pPr>
-            <a:endParaRPr lang="en-US" sz="1800" dirty="0">
-              <a:latin typeface="Consolas" panose="020B0609020204030204" pitchFamily="49" charset="0"/>
-            </a:endParaRPr>
+            <a:r>
+              <a:rPr lang="en-US" sz="1700" dirty="0">
+                <a:latin typeface="Consolas" panose="020B0609020204030204" pitchFamily="49" charset="0"/>
+              </a:rPr>
+              <a:t>        if (</a:t>
+            </a:r>
+            <a:r>
+              <a:rPr lang="en-US" sz="1700" dirty="0" err="1">
+                <a:latin typeface="Consolas" panose="020B0609020204030204" pitchFamily="49" charset="0"/>
+              </a:rPr>
+              <a:t>idTable.scopeLevel</a:t>
+            </a:r>
+            <a:r>
+              <a:rPr lang="en-US" sz="1700" dirty="0">
+                <a:latin typeface="Consolas" panose="020B0609020204030204" pitchFamily="49" charset="0"/>
+              </a:rPr>
+              <a:t> == </a:t>
+            </a:r>
+            <a:r>
+              <a:rPr lang="en-US" sz="1700" dirty="0" err="1">
+                <a:latin typeface="Consolas" panose="020B0609020204030204" pitchFamily="49" charset="0"/>
+              </a:rPr>
+              <a:t>ScopeLevel.GLOBAL</a:t>
+            </a:r>
+            <a:r>
+              <a:rPr lang="en-US" sz="1700" dirty="0">
+                <a:latin typeface="Consolas" panose="020B0609020204030204" pitchFamily="49" charset="0"/>
+              </a:rPr>
+              <a:t>)</a:t>
+            </a:r>
           </a:p>
           <a:p>
             <a:pPr marL="0" indent="0">
@@ -8004,34 +8113,58 @@
               <a:buNone/>
             </a:pPr>
             <a:r>
-              <a:rPr lang="en-US" sz="1800" dirty="0">
-                <a:latin typeface="Consolas" panose="020B0609020204030204" pitchFamily="49" charset="0"/>
-              </a:rPr>
-              <a:t>        if (</a:t>
-            </a:r>
-            <a:r>
-              <a:rPr lang="en-US" sz="1800" dirty="0" err="1">
-                <a:latin typeface="Consolas" panose="020B0609020204030204" pitchFamily="49" charset="0"/>
-              </a:rPr>
-              <a:t>idTable.scopeLevel</a:t>
-            </a:r>
-            <a:r>
-              <a:rPr lang="en-US" sz="1800" dirty="0">
-                <a:latin typeface="Consolas" panose="020B0609020204030204" pitchFamily="49" charset="0"/>
-              </a:rPr>
-              <a:t> == </a:t>
-            </a:r>
-            <a:r>
-              <a:rPr lang="en-US" sz="1800" dirty="0" err="1">
-                <a:latin typeface="Consolas" panose="020B0609020204030204" pitchFamily="49" charset="0"/>
-              </a:rPr>
-              <a:t>ScopeLevel.LOCAL</a:t>
-            </a:r>
-            <a:r>
-              <a:rPr lang="en-US" sz="1800" dirty="0">
-                <a:latin typeface="Consolas" panose="020B0609020204030204" pitchFamily="49" charset="0"/>
-              </a:rPr>
-              <a:t>)</a:t>
+              <a:rPr lang="en-US" sz="1700" dirty="0">
+                <a:latin typeface="Consolas" panose="020B0609020204030204" pitchFamily="49" charset="0"/>
+              </a:rPr>
+              <a:t>            </a:t>
+            </a:r>
+            <a:r>
+              <a:rPr lang="en-US" sz="1700" dirty="0" err="1">
+                <a:latin typeface="Consolas" panose="020B0609020204030204" pitchFamily="49" charset="0"/>
+              </a:rPr>
+              <a:t>followers.addAll</a:t>
+            </a:r>
+            <a:r>
+              <a:rPr lang="en-US" sz="1700" dirty="0">
+                <a:latin typeface="Consolas" panose="020B0609020204030204" pitchFamily="49" charset="0"/>
+              </a:rPr>
+              <a:t>(</a:t>
+            </a:r>
+            <a:r>
+              <a:rPr lang="en-US" sz="1700" dirty="0" err="1">
+                <a:latin typeface="Consolas" panose="020B0609020204030204" pitchFamily="49" charset="0"/>
+              </a:rPr>
+              <a:t>EnumSet.of</a:t>
+            </a:r>
+            <a:r>
+              <a:rPr lang="en-US" sz="1700" dirty="0">
+                <a:latin typeface="Consolas" panose="020B0609020204030204" pitchFamily="49" charset="0"/>
+              </a:rPr>
+              <a:t>(</a:t>
+            </a:r>
+            <a:r>
+              <a:rPr lang="en-US" sz="1700" dirty="0" err="1">
+                <a:latin typeface="Consolas" panose="020B0609020204030204" pitchFamily="49" charset="0"/>
+              </a:rPr>
+              <a:t>Symbol.procRW</a:t>
+            </a:r>
+            <a:r>
+              <a:rPr lang="en-US" sz="1700" dirty="0">
+                <a:latin typeface="Consolas" panose="020B0609020204030204" pitchFamily="49" charset="0"/>
+              </a:rPr>
+              <a:t>, </a:t>
+            </a:r>
+            <a:r>
+              <a:rPr lang="en-US" sz="1700" dirty="0" err="1">
+                <a:latin typeface="Consolas" panose="020B0609020204030204" pitchFamily="49" charset="0"/>
+              </a:rPr>
+              <a:t>Symbol.funRW</a:t>
+            </a:r>
+            <a:r>
+              <a:rPr lang="en-US" sz="1700" dirty="0">
+                <a:latin typeface="Consolas" panose="020B0609020204030204" pitchFamily="49" charset="0"/>
+              </a:rPr>
+              <a:t>))</a:t>
             </a:r>
           </a:p>
           <a:p>
@@ -8042,34 +8175,10 @@
               <a:buNone/>
             </a:pPr>
             <a:r>
-              <a:rPr lang="en-US" sz="1800" dirty="0">
-                <a:latin typeface="Consolas" panose="020B0609020204030204" pitchFamily="49" charset="0"/>
-              </a:rPr>
-              <a:t>            </a:t>
-            </a:r>
-            <a:r>
-              <a:rPr lang="en-US" sz="1800" dirty="0" err="1">
-                <a:latin typeface="Consolas" panose="020B0609020204030204" pitchFamily="49" charset="0"/>
-              </a:rPr>
-              <a:t>followers.addAll</a:t>
-            </a:r>
-            <a:r>
-              <a:rPr lang="en-US" sz="1800" dirty="0">
-                <a:latin typeface="Consolas" panose="020B0609020204030204" pitchFamily="49" charset="0"/>
-              </a:rPr>
-              <a:t>(</a:t>
-            </a:r>
-            <a:r>
-              <a:rPr lang="en-US" sz="1800" dirty="0" err="1">
-                <a:latin typeface="Consolas" panose="020B0609020204030204" pitchFamily="49" charset="0"/>
-              </a:rPr>
-              <a:t>stmtFollowers</a:t>
-            </a:r>
-            <a:r>
-              <a:rPr lang="en-US" sz="1800" dirty="0">
-                <a:latin typeface="Consolas" panose="020B0609020204030204" pitchFamily="49" charset="0"/>
-              </a:rPr>
-              <a:t>)</a:t>
+              <a:rPr lang="en-US" sz="1700" dirty="0">
+                <a:latin typeface="Consolas" panose="020B0609020204030204" pitchFamily="49" charset="0"/>
+              </a:rPr>
+              <a:t>        else</a:t>
             </a:r>
           </a:p>
           <a:p>
@@ -8080,10 +8189,10 @@
               <a:buNone/>
             </a:pPr>
             <a:r>
-              <a:rPr lang="en-US" sz="1800" dirty="0">
-                <a:latin typeface="Consolas" panose="020B0609020204030204" pitchFamily="49" charset="0"/>
-              </a:rPr>
-              <a:t>        else</a:t>
+              <a:rPr lang="en-US" sz="1700" dirty="0">
+                <a:latin typeface="Consolas" panose="020B0609020204030204" pitchFamily="49" charset="0"/>
+              </a:rPr>
+              <a:t>          {</a:t>
             </a:r>
           </a:p>
           <a:p>
@@ -8094,34 +8203,34 @@
               <a:buNone/>
             </a:pPr>
             <a:r>
-              <a:rPr lang="en-US" sz="1800" dirty="0">
+              <a:rPr lang="en-US" sz="1700" dirty="0">
                 <a:latin typeface="Consolas" panose="020B0609020204030204" pitchFamily="49" charset="0"/>
               </a:rPr>
               <a:t>            </a:t>
             </a:r>
             <a:r>
-              <a:rPr lang="en-US" sz="1800" dirty="0" err="1">
+              <a:rPr lang="en-US" sz="1700" dirty="0" err="1">
                 <a:latin typeface="Consolas" panose="020B0609020204030204" pitchFamily="49" charset="0"/>
               </a:rPr>
               <a:t>followers.addAll</a:t>
             </a:r>
             <a:r>
-              <a:rPr lang="en-US" sz="1800" dirty="0">
+              <a:rPr lang="en-US" sz="1700" dirty="0">
                 <a:latin typeface="Consolas" panose="020B0609020204030204" pitchFamily="49" charset="0"/>
               </a:rPr>
               <a:t>(</a:t>
             </a:r>
             <a:r>
-              <a:rPr lang="en-US" sz="1800" dirty="0" err="1">
-                <a:latin typeface="Consolas" panose="020B0609020204030204" pitchFamily="49" charset="0"/>
-              </a:rPr>
-              <a:t>EnumSet.of</a:t>
-            </a:r>
-            <a:r>
-              <a:rPr lang="en-US" sz="1800" dirty="0">
-                <a:latin typeface="Consolas" panose="020B0609020204030204" pitchFamily="49" charset="0"/>
-              </a:rPr>
-              <a:t>(</a:t>
+              <a:rPr lang="en-US" sz="1700" dirty="0" err="1">
+                <a:latin typeface="Consolas" panose="020B0609020204030204" pitchFamily="49" charset="0"/>
+              </a:rPr>
+              <a:t>stmtFollowers</a:t>
+            </a:r>
+            <a:r>
+              <a:rPr lang="en-US" sz="1700" dirty="0">
+                <a:latin typeface="Consolas" panose="020B0609020204030204" pitchFamily="49" charset="0"/>
+              </a:rPr>
+              <a:t>)</a:t>
             </a:r>
           </a:p>
           <a:p>
@@ -8132,34 +8241,34 @@
               <a:buNone/>
             </a:pPr>
             <a:r>
-              <a:rPr lang="en-US" sz="1800" dirty="0">
-                <a:latin typeface="Consolas" panose="020B0609020204030204" pitchFamily="49" charset="0"/>
-              </a:rPr>
-              <a:t>                                 </a:t>
-            </a:r>
-            <a:r>
-              <a:rPr lang="en-US" sz="1800" dirty="0" err="1">
-                <a:latin typeface="Consolas" panose="020B0609020204030204" pitchFamily="49" charset="0"/>
-              </a:rPr>
-              <a:t>Symbol.procRW</a:t>
-            </a:r>
-            <a:r>
-              <a:rPr lang="en-US" sz="1800" dirty="0">
-                <a:latin typeface="Consolas" panose="020B0609020204030204" pitchFamily="49" charset="0"/>
-              </a:rPr>
-              <a:t>, </a:t>
-            </a:r>
-            <a:r>
-              <a:rPr lang="en-US" sz="1800" dirty="0" err="1">
-                <a:latin typeface="Consolas" panose="020B0609020204030204" pitchFamily="49" charset="0"/>
-              </a:rPr>
-              <a:t>Symbol.funRW</a:t>
-            </a:r>
-            <a:r>
-              <a:rPr lang="en-US" sz="1800" dirty="0">
-                <a:latin typeface="Consolas" panose="020B0609020204030204" pitchFamily="49" charset="0"/>
-              </a:rPr>
-              <a:t>))</a:t>
+              <a:rPr lang="en-US" sz="1700" dirty="0">
+                <a:latin typeface="Consolas" panose="020B0609020204030204" pitchFamily="49" charset="0"/>
+              </a:rPr>
+              <a:t>            </a:t>
+            </a:r>
+            <a:r>
+              <a:rPr lang="en-US" sz="1700" dirty="0" err="1">
+                <a:latin typeface="Consolas" panose="020B0609020204030204" pitchFamily="49" charset="0"/>
+              </a:rPr>
+              <a:t>followers.remove</a:t>
+            </a:r>
+            <a:r>
+              <a:rPr lang="en-US" sz="1700" dirty="0">
+                <a:latin typeface="Consolas" panose="020B0609020204030204" pitchFamily="49" charset="0"/>
+              </a:rPr>
+              <a:t>(</a:t>
+            </a:r>
+            <a:r>
+              <a:rPr lang="en-US" sz="1700" dirty="0" err="1">
+                <a:latin typeface="Consolas" panose="020B0609020204030204" pitchFamily="49" charset="0"/>
+              </a:rPr>
+              <a:t>Symbol.elseRW</a:t>
+            </a:r>
+            <a:r>
+              <a:rPr lang="en-US" sz="1700" dirty="0">
+                <a:latin typeface="Consolas" panose="020B0609020204030204" pitchFamily="49" charset="0"/>
+              </a:rPr>
+              <a:t>)</a:t>
             </a:r>
           </a:p>
           <a:p>
@@ -8170,10 +8279,10 @@
               <a:buNone/>
             </a:pPr>
             <a:r>
-              <a:rPr lang="en-US" sz="1800" dirty="0">
-                <a:latin typeface="Consolas" panose="020B0609020204030204" pitchFamily="49" charset="0"/>
-              </a:rPr>
-              <a:t>        return followers</a:t>
+              <a:rPr lang="en-US" sz="1700" dirty="0">
+                <a:latin typeface="Consolas" panose="020B0609020204030204" pitchFamily="49" charset="0"/>
+              </a:rPr>
+              <a:t>          }</a:t>
             </a:r>
           </a:p>
           <a:p>
@@ -8183,8 +8292,33 @@
               </a:spcBef>
               <a:buNone/>
             </a:pPr>
-            <a:r>
-              <a:rPr lang="en-US" sz="1800" dirty="0">
+            <a:endParaRPr lang="en-US" sz="1700" dirty="0">
+              <a:latin typeface="Consolas" panose="020B0609020204030204" pitchFamily="49" charset="0"/>
+            </a:endParaRPr>
+          </a:p>
+          <a:p>
+            <a:pPr marL="0" indent="0">
+              <a:spcBef>
+                <a:spcPts val="100"/>
+              </a:spcBef>
+              <a:buNone/>
+            </a:pPr>
+            <a:r>
+              <a:rPr lang="en-US" sz="1700" dirty="0">
+                <a:latin typeface="Consolas" panose="020B0609020204030204" pitchFamily="49" charset="0"/>
+              </a:rPr>
+              <a:t>        return followers</a:t>
+            </a:r>
+          </a:p>
+          <a:p>
+            <a:pPr marL="0" indent="0">
+              <a:spcBef>
+                <a:spcPts val="100"/>
+              </a:spcBef>
+              <a:buNone/>
+            </a:pPr>
+            <a:r>
+              <a:rPr lang="en-US" sz="1700" dirty="0">
                 <a:latin typeface="Consolas" panose="020B0609020204030204" pitchFamily="49" charset="0"/>
               </a:rPr>
               <a:t>      }</a:t>
@@ -8265,7 +8399,7 @@
     </p:spTree>
     <p:extLst>
       <p:ext uri="{BB962C8B-B14F-4D97-AF65-F5344CB8AC3E}">
-        <p14:creationId xmlns:p14="http://schemas.microsoft.com/office/powerpoint/2010/main" val="37134411"/>
+        <p14:creationId xmlns:p14="http://schemas.microsoft.com/office/powerpoint/2010/main" val="2408400255"/>
       </p:ext>
     </p:extLst>
   </p:cSld>
@@ -8308,14 +8442,14 @@
           <a:lstStyle/>
           <a:p>
             <a:r>
-              <a:rPr lang="en-US" dirty="0"/>
+              <a:rPr lang="en-US"/>
               <a:t>Developing a Parser for CPRL</a:t>
             </a:r>
             <a:br>
-              <a:rPr lang="en-US" dirty="0"/>
+              <a:rPr lang="en-US"/>
             </a:br>
             <a:r>
-              <a:rPr lang="en-US" sz="2800" dirty="0"/>
+              <a:rPr lang="en-US" sz="2800"/>
               <a:t>Version 2: Error Handling/Recovery</a:t>
             </a:r>
           </a:p>
@@ -8337,13 +8471,13 @@
           <a:lstStyle/>
           <a:p>
             <a:r>
-              <a:rPr lang="en-US" dirty="0"/>
+              <a:rPr lang="en-US"/>
               <a:t>When the compiler is integrated with an editor or as part of integrated development environment (IDE), it might be acceptable to stop compilation after detecting the first error and pass control to the editor.</a:t>
             </a:r>
           </a:p>
           <a:p>
             <a:r>
-              <a:rPr lang="en-US" dirty="0"/>
+              <a:rPr lang="en-US"/>
               <a:t>In general, even if integrated with an editor, a compiler should try to detect and report as many errors as possible.</a:t>
             </a:r>
           </a:p>
@@ -8444,7 +8578,7 @@
           <a:lstStyle/>
           <a:p>
             <a:r>
-              <a:rPr lang="en-US" dirty="0"/>
+              <a:rPr lang="en-US"/>
               <a:t>Implementing Error Recovery</a:t>
             </a:r>
           </a:p>
@@ -8471,35 +8605,35 @@
           <a:lstStyle/>
           <a:p>
             <a:r>
-              <a:rPr lang="en-US" dirty="0"/>
+              <a:rPr lang="en-US"/>
               <a:t>Not all methods will need a </a:t>
             </a:r>
             <a:r>
-              <a:rPr lang="en-US" dirty="0">
+              <a:rPr lang="en-US">
                 <a:latin typeface="Consolas" pitchFamily="49" charset="0"/>
                 <a:cs typeface="Consolas" pitchFamily="49" charset="0"/>
               </a:rPr>
               <a:t>try</a:t>
             </a:r>
             <a:r>
-              <a:rPr lang="en-US" dirty="0"/>
+              <a:rPr lang="en-US"/>
               <a:t>/</a:t>
             </a:r>
             <a:r>
-              <a:rPr lang="en-US" dirty="0">
+              <a:rPr lang="en-US">
                 <a:latin typeface="Consolas" pitchFamily="49" charset="0"/>
                 <a:cs typeface="Consolas" pitchFamily="49" charset="0"/>
               </a:rPr>
               <a:t>catch</a:t>
             </a:r>
             <a:r>
-              <a:rPr lang="en-US" dirty="0"/>
+              <a:rPr lang="en-US"/>
               <a:t> block for error recovery at this stage of parser development.</a:t>
             </a:r>
           </a:p>
           <a:p>
             <a:r>
-              <a:rPr lang="en-US" dirty="0"/>
+              <a:rPr lang="en-US"/>
               <a:t>Example</a:t>
             </a:r>
           </a:p>
@@ -8508,7 +8642,7 @@
               <a:buNone/>
             </a:pPr>
             <a:r>
-              <a:rPr lang="en-US" sz="1800" dirty="0">
+              <a:rPr lang="en-US" sz="1800">
                 <a:latin typeface="Consolas" panose="020B0609020204030204" pitchFamily="49" charset="0"/>
               </a:rPr>
               <a:t>fun parseInitialDecls()</a:t>
@@ -8522,7 +8656,7 @@
               <a:buNone/>
             </a:pPr>
             <a:r>
-              <a:rPr lang="en-US" sz="1800" dirty="0">
+              <a:rPr lang="en-US" sz="1800">
                 <a:latin typeface="Consolas" panose="020B0609020204030204" pitchFamily="49" charset="0"/>
               </a:rPr>
               <a:t>  {</a:t>
@@ -8536,19 +8670,19 @@
               <a:buNone/>
             </a:pPr>
             <a:r>
-              <a:rPr lang="en-US" sz="1800" dirty="0">
+              <a:rPr lang="en-US" sz="1800">
                 <a:latin typeface="Consolas" panose="020B0609020204030204" pitchFamily="49" charset="0"/>
               </a:rPr>
               <a:t>    while (</a:t>
             </a:r>
             <a:r>
-              <a:rPr lang="en-US" sz="1800" dirty="0" err="1">
+              <a:rPr lang="en-US" sz="1800" err="1">
                 <a:latin typeface="Consolas" panose="020B0609020204030204" pitchFamily="49" charset="0"/>
               </a:rPr>
               <a:t>scanner.symbol.isInitialDeclStarter</a:t>
             </a:r>
             <a:r>
-              <a:rPr lang="en-US" sz="1800" dirty="0">
+              <a:rPr lang="en-US" sz="1800">
                 <a:latin typeface="Consolas" panose="020B0609020204030204" pitchFamily="49" charset="0"/>
               </a:rPr>
               <a:t>())</a:t>
@@ -8562,7 +8696,7 @@
               <a:buNone/>
             </a:pPr>
             <a:r>
-              <a:rPr lang="en-US" sz="1800" dirty="0">
+              <a:rPr lang="en-US" sz="1800">
                 <a:latin typeface="Consolas" panose="020B0609020204030204" pitchFamily="49" charset="0"/>
               </a:rPr>
               <a:t>        parseInitialDecl()</a:t>
@@ -8576,36 +8710,36 @@
               <a:buNone/>
             </a:pPr>
             <a:r>
-              <a:rPr lang="en-US" sz="1800" dirty="0">
+              <a:rPr lang="en-US" sz="1800">
                 <a:latin typeface="Consolas" panose="020B0609020204030204" pitchFamily="49" charset="0"/>
               </a:rPr>
               <a:t>  }</a:t>
             </a:r>
-            <a:endParaRPr lang="en-US" sz="1800" dirty="0"/>
-          </a:p>
-          <a:p>
-            <a:r>
-              <a:rPr lang="en-US" dirty="0"/>
+            <a:endParaRPr lang="en-US" sz="1800"/>
+          </a:p>
+          <a:p>
+            <a:r>
+              <a:rPr lang="en-US"/>
               <a:t>Which parsing methods need a </a:t>
             </a:r>
             <a:r>
-              <a:rPr lang="en-US" dirty="0">
+              <a:rPr lang="en-US">
                 <a:latin typeface="Consolas" panose="020B0609020204030204" pitchFamily="49" charset="0"/>
               </a:rPr>
               <a:t>try</a:t>
             </a:r>
             <a:r>
-              <a:rPr lang="en-US" dirty="0"/>
+              <a:rPr lang="en-US"/>
               <a:t>/</a:t>
             </a:r>
             <a:r>
-              <a:rPr lang="en-US" dirty="0">
+              <a:rPr lang="en-US">
                 <a:latin typeface="Consolas" panose="020B0609020204030204" pitchFamily="49" charset="0"/>
               </a:rPr>
               <a:t>catch</a:t>
             </a:r>
             <a:r>
-              <a:rPr lang="en-US" dirty="0"/>
+              <a:rPr lang="en-US"/>
               <a:t> block for error recovery?</a:t>
             </a:r>
           </a:p>
@@ -8706,17 +8840,17 @@
           <a:lstStyle/>
           <a:p>
             <a:r>
-              <a:rPr lang="en-US" dirty="0"/>
+              <a:rPr lang="en-US"/>
               <a:t>Implementing Error Recovery</a:t>
             </a:r>
             <a:br>
-              <a:rPr lang="en-US" dirty="0"/>
+              <a:rPr lang="en-US"/>
             </a:br>
             <a:r>
-              <a:rPr lang="en-US" sz="2400" dirty="0"/>
+              <a:rPr lang="en-US" sz="2400"/>
               <a:t>(continued)</a:t>
             </a:r>
-            <a:endParaRPr lang="en-US" dirty="0"/>
+            <a:endParaRPr lang="en-US"/>
           </a:p>
         </p:txBody>
       </p:sp>
@@ -8733,7 +8867,7 @@
         <p:spPr>
           <a:xfrm>
             <a:off x="458787" y="1363663"/>
-            <a:ext cx="8229600" cy="4935537"/>
+            <a:ext cx="8321040" cy="4935537"/>
           </a:xfrm>
         </p:spPr>
         <p:txBody>
@@ -8741,144 +8875,303 @@
           <a:lstStyle/>
           <a:p>
             <a:r>
-              <a:rPr lang="en-US" dirty="0"/>
+              <a:rPr lang="en-US"/>
               <a:t>Only five methods throw a </a:t>
             </a:r>
             <a:r>
-              <a:rPr lang="en-US" dirty="0" err="1">
+              <a:rPr lang="en-US" err="1">
                 <a:latin typeface="Consolas" panose="020B0609020204030204" pitchFamily="49" charset="0"/>
               </a:rPr>
               <a:t>ParserException</a:t>
             </a:r>
             <a:r>
-              <a:rPr lang="en-US" dirty="0"/>
+              <a:rPr lang="en-US"/>
               <a:t> back to the caller.</a:t>
             </a:r>
           </a:p>
           <a:p>
-            <a:pPr lvl="1"/>
-            <a:r>
-              <a:rPr lang="en-US" sz="1850" dirty="0">
-                <a:latin typeface="Consolas" panose="020B0609020204030204" pitchFamily="49" charset="0"/>
+            <a:pPr marL="674370" lvl="1">
+              <a:lnSpc>
+                <a:spcPct val="104000"/>
+              </a:lnSpc>
+              <a:spcBef>
+                <a:spcPts val="0"/>
+              </a:spcBef>
+              <a:spcAft>
+                <a:spcPts val="0"/>
+              </a:spcAft>
+              <a:tabLst>
+                <a:tab pos="0" algn="l"/>
+              </a:tabLst>
+            </a:pPr>
+            <a:r>
+              <a:rPr lang="en-US" sz="1700">
+                <a:effectLst/>
+                <a:latin typeface="Consolas" panose="020B0609020204030204" pitchFamily="49" charset="0"/>
+                <a:ea typeface="Calibri" panose="020F0502020204030204" pitchFamily="34" charset="0"/>
+                <a:cs typeface="Courier New" panose="02070309020205020404" pitchFamily="49" charset="0"/>
               </a:rPr>
               <a:t>match()</a:t>
             </a:r>
           </a:p>
           <a:p>
-            <a:pPr lvl="1"/>
-            <a:r>
-              <a:rPr lang="en-US" sz="1850" dirty="0" err="1">
-                <a:latin typeface="Consolas" panose="020B0609020204030204" pitchFamily="49" charset="0"/>
+            <a:pPr marL="674370" lvl="1">
+              <a:lnSpc>
+                <a:spcPct val="104000"/>
+              </a:lnSpc>
+              <a:spcBef>
+                <a:spcPts val="0"/>
+              </a:spcBef>
+              <a:spcAft>
+                <a:spcPts val="0"/>
+              </a:spcAft>
+              <a:tabLst>
+                <a:tab pos="0" algn="l"/>
+              </a:tabLst>
+            </a:pPr>
+            <a:r>
+              <a:rPr lang="en-US" sz="1700" err="1">
+                <a:effectLst/>
+                <a:latin typeface="Consolas" panose="020B0609020204030204" pitchFamily="49" charset="0"/>
+                <a:ea typeface="Calibri" panose="020F0502020204030204" pitchFamily="34" charset="0"/>
+                <a:cs typeface="Courier New" panose="02070309020205020404" pitchFamily="49" charset="0"/>
+              </a:rPr>
+              <a:t>parseVariableCommon</a:t>
+            </a:r>
+            <a:r>
+              <a:rPr lang="en-US" sz="1700">
+                <a:effectLst/>
+                <a:latin typeface="Consolas" panose="020B0609020204030204" pitchFamily="49" charset="0"/>
+                <a:ea typeface="Calibri" panose="020F0502020204030204" pitchFamily="34" charset="0"/>
+                <a:cs typeface="Courier New" panose="02070309020205020404" pitchFamily="49" charset="0"/>
+              </a:rPr>
+              <a:t>()  // called only by </a:t>
+            </a:r>
+            <a:r>
+              <a:rPr lang="en-US" sz="1700" err="1">
+                <a:effectLst/>
+                <a:latin typeface="Consolas" panose="020B0609020204030204" pitchFamily="49" charset="0"/>
+                <a:ea typeface="Calibri" panose="020F0502020204030204" pitchFamily="34" charset="0"/>
+                <a:cs typeface="Courier New" panose="02070309020205020404" pitchFamily="49" charset="0"/>
+              </a:rPr>
+              <a:t>parseVariable</a:t>
+            </a:r>
+            <a:r>
+              <a:rPr lang="en-US" sz="1700">
+                <a:effectLst/>
+                <a:latin typeface="Consolas" panose="020B0609020204030204" pitchFamily="49" charset="0"/>
+                <a:ea typeface="Calibri" panose="020F0502020204030204" pitchFamily="34" charset="0"/>
+                <a:cs typeface="Courier New" panose="02070309020205020404" pitchFamily="49" charset="0"/>
+              </a:rPr>
+              <a:t>()</a:t>
+            </a:r>
+            <a:br>
+              <a:rPr lang="en-US" sz="1700">
+                <a:latin typeface="Consolas" panose="020B0609020204030204" pitchFamily="49" charset="0"/>
+                <a:ea typeface="Calibri" panose="020F0502020204030204" pitchFamily="34" charset="0"/>
+                <a:cs typeface="Courier New" panose="02070309020205020404" pitchFamily="49" charset="0"/>
+              </a:rPr>
+            </a:br>
+            <a:r>
+              <a:rPr lang="en-US" sz="1700">
+                <a:latin typeface="Consolas" panose="020B0609020204030204" pitchFamily="49" charset="0"/>
+                <a:ea typeface="Calibri" panose="020F0502020204030204" pitchFamily="34" charset="0"/>
+                <a:cs typeface="Courier New" panose="02070309020205020404" pitchFamily="49" charset="0"/>
+              </a:rPr>
+              <a:t>                       //    and </a:t>
+            </a:r>
+            <a:r>
+              <a:rPr lang="en-US" sz="1700" err="1">
+                <a:latin typeface="Consolas" panose="020B0609020204030204" pitchFamily="49" charset="0"/>
+                <a:ea typeface="Calibri" panose="020F0502020204030204" pitchFamily="34" charset="0"/>
+                <a:cs typeface="Courier New" panose="02070309020205020404" pitchFamily="49" charset="0"/>
               </a:rPr>
               <a:t>parseVariableExpr</a:t>
             </a:r>
             <a:r>
-              <a:rPr lang="en-US" sz="1850" dirty="0">
-                <a:latin typeface="Consolas" panose="020B0609020204030204" pitchFamily="49" charset="0"/>
+              <a:rPr lang="en-US" sz="1700">
+                <a:latin typeface="Consolas" panose="020B0609020204030204" pitchFamily="49" charset="0"/>
+                <a:ea typeface="Calibri" panose="020F0502020204030204" pitchFamily="34" charset="0"/>
+                <a:cs typeface="Courier New" panose="02070309020205020404" pitchFamily="49" charset="0"/>
+              </a:rPr>
+              <a:t>()  </a:t>
+            </a:r>
+            <a:endParaRPr lang="en-US" sz="1700">
+              <a:effectLst/>
+              <a:latin typeface="Consolas" panose="020B0609020204030204" pitchFamily="49" charset="0"/>
+              <a:ea typeface="Calibri" panose="020F0502020204030204" pitchFamily="34" charset="0"/>
+              <a:cs typeface="Courier New" panose="02070309020205020404" pitchFamily="49" charset="0"/>
+            </a:endParaRPr>
+          </a:p>
+          <a:p>
+            <a:pPr marL="674370" lvl="1">
+              <a:lnSpc>
+                <a:spcPct val="104000"/>
+              </a:lnSpc>
+              <a:spcBef>
+                <a:spcPts val="0"/>
+              </a:spcBef>
+              <a:spcAft>
+                <a:spcPts val="0"/>
+              </a:spcAft>
+              <a:tabLst>
+                <a:tab pos="0" algn="l"/>
+              </a:tabLst>
+            </a:pPr>
+            <a:r>
+              <a:rPr lang="en-US" sz="1700" err="1">
+                <a:effectLst/>
+                <a:latin typeface="Consolas" panose="020B0609020204030204" pitchFamily="49" charset="0"/>
+                <a:ea typeface="Calibri" panose="020F0502020204030204" pitchFamily="34" charset="0"/>
+                <a:cs typeface="Courier New" panose="02070309020205020404" pitchFamily="49" charset="0"/>
+              </a:rPr>
+              <a:t>parseIndexExpr</a:t>
+            </a:r>
+            <a:r>
+              <a:rPr lang="en-US" sz="1700">
+                <a:effectLst/>
+                <a:latin typeface="Consolas" panose="020B0609020204030204" pitchFamily="49" charset="0"/>
+                <a:ea typeface="Calibri" panose="020F0502020204030204" pitchFamily="34" charset="0"/>
+                <a:cs typeface="Courier New" panose="02070309020205020404" pitchFamily="49" charset="0"/>
+              </a:rPr>
+              <a:t>()       // called only by </a:t>
+            </a:r>
+            <a:r>
+              <a:rPr lang="en-US" sz="1700" err="1">
+                <a:effectLst/>
+                <a:latin typeface="Consolas" panose="020B0609020204030204" pitchFamily="49" charset="0"/>
+                <a:ea typeface="Calibri" panose="020F0502020204030204" pitchFamily="34" charset="0"/>
+                <a:cs typeface="Courier New" panose="02070309020205020404" pitchFamily="49" charset="0"/>
+              </a:rPr>
+              <a:t>parseVariableCommon</a:t>
+            </a:r>
+            <a:r>
+              <a:rPr lang="en-US" sz="1700">
+                <a:effectLst/>
+                <a:latin typeface="Consolas" panose="020B0609020204030204" pitchFamily="49" charset="0"/>
+                <a:ea typeface="Calibri" panose="020F0502020204030204" pitchFamily="34" charset="0"/>
+                <a:cs typeface="Courier New" panose="02070309020205020404" pitchFamily="49" charset="0"/>
               </a:rPr>
               <a:t>()</a:t>
             </a:r>
           </a:p>
           <a:p>
-            <a:pPr lvl="1"/>
-            <a:r>
-              <a:rPr lang="en-US" sz="1850" dirty="0" err="1">
-                <a:latin typeface="Consolas" panose="020B0609020204030204" pitchFamily="49" charset="0"/>
-              </a:rPr>
-              <a:t>parseIndexExpr</a:t>
-            </a:r>
-            <a:r>
-              <a:rPr lang="en-US" sz="1850" dirty="0">
-                <a:latin typeface="Consolas" panose="020B0609020204030204" pitchFamily="49" charset="0"/>
-              </a:rPr>
-              <a:t>()   // called only by </a:t>
-            </a:r>
-            <a:r>
-              <a:rPr lang="en-US" sz="1850" dirty="0" err="1">
-                <a:latin typeface="Consolas" panose="020B0609020204030204" pitchFamily="49" charset="0"/>
-              </a:rPr>
-              <a:t>parseVariableExpr</a:t>
-            </a:r>
-            <a:r>
-              <a:rPr lang="en-US" sz="1850" dirty="0">
-                <a:latin typeface="Consolas" panose="020B0609020204030204" pitchFamily="49" charset="0"/>
+            <a:pPr marL="674370" lvl="1">
+              <a:lnSpc>
+                <a:spcPct val="104000"/>
+              </a:lnSpc>
+              <a:spcBef>
+                <a:spcPts val="0"/>
+              </a:spcBef>
+              <a:spcAft>
+                <a:spcPts val="0"/>
+              </a:spcAft>
+              <a:tabLst>
+                <a:tab pos="0" algn="l"/>
+              </a:tabLst>
+            </a:pPr>
+            <a:r>
+              <a:rPr lang="en-US" sz="1700" err="1">
+                <a:effectLst/>
+                <a:latin typeface="Consolas" panose="020B0609020204030204" pitchFamily="49" charset="0"/>
+                <a:ea typeface="Calibri" panose="020F0502020204030204" pitchFamily="34" charset="0"/>
+                <a:cs typeface="Courier New" panose="02070309020205020404" pitchFamily="49" charset="0"/>
+              </a:rPr>
+              <a:t>parseFieldExpr</a:t>
+            </a:r>
+            <a:r>
+              <a:rPr lang="en-US" sz="1700">
+                <a:effectLst/>
+                <a:latin typeface="Consolas" panose="020B0609020204030204" pitchFamily="49" charset="0"/>
+                <a:ea typeface="Calibri" panose="020F0502020204030204" pitchFamily="34" charset="0"/>
+                <a:cs typeface="Courier New" panose="02070309020205020404" pitchFamily="49" charset="0"/>
+              </a:rPr>
+              <a:t>()       // called only by </a:t>
+            </a:r>
+            <a:r>
+              <a:rPr lang="en-US" sz="1700" err="1">
+                <a:effectLst/>
+                <a:latin typeface="Consolas" panose="020B0609020204030204" pitchFamily="49" charset="0"/>
+                <a:ea typeface="Calibri" panose="020F0502020204030204" pitchFamily="34" charset="0"/>
+                <a:cs typeface="Courier New" panose="02070309020205020404" pitchFamily="49" charset="0"/>
+              </a:rPr>
+              <a:t>parseVariableCommon</a:t>
+            </a:r>
+            <a:r>
+              <a:rPr lang="en-US" sz="1700">
+                <a:effectLst/>
+                <a:latin typeface="Consolas" panose="020B0609020204030204" pitchFamily="49" charset="0"/>
+                <a:ea typeface="Calibri" panose="020F0502020204030204" pitchFamily="34" charset="0"/>
+                <a:cs typeface="Courier New" panose="02070309020205020404" pitchFamily="49" charset="0"/>
               </a:rPr>
               <a:t>()</a:t>
             </a:r>
           </a:p>
           <a:p>
-            <a:pPr lvl="1"/>
-            <a:r>
-              <a:rPr lang="en-US" sz="1850" dirty="0" err="1">
-                <a:latin typeface="Consolas" panose="020B0609020204030204" pitchFamily="49" charset="0"/>
-              </a:rPr>
-              <a:t>parseFieldExpr</a:t>
-            </a:r>
-            <a:r>
-              <a:rPr lang="en-US" sz="1850" dirty="0">
-                <a:latin typeface="Consolas" panose="020B0609020204030204" pitchFamily="49" charset="0"/>
-              </a:rPr>
-              <a:t>()   // called only by </a:t>
-            </a:r>
-            <a:r>
-              <a:rPr lang="en-US" sz="1850" dirty="0" err="1">
-                <a:latin typeface="Consolas" panose="020B0609020204030204" pitchFamily="49" charset="0"/>
-              </a:rPr>
-              <a:t>parseVariableExpr</a:t>
-            </a:r>
-            <a:r>
-              <a:rPr lang="en-US" sz="1850" dirty="0">
-                <a:latin typeface="Consolas" panose="020B0609020204030204" pitchFamily="49" charset="0"/>
-              </a:rPr>
-              <a:t>()</a:t>
-            </a:r>
-          </a:p>
-          <a:p>
-            <a:pPr lvl="1"/>
-            <a:r>
-              <a:rPr lang="en-US" sz="1850" dirty="0">
-                <a:latin typeface="Consolas" panose="020B0609020204030204" pitchFamily="49" charset="0"/>
-              </a:rPr>
-              <a:t>add()              // in class </a:t>
-            </a:r>
-            <a:r>
-              <a:rPr lang="en-US" sz="1850" dirty="0" err="1">
-                <a:latin typeface="Consolas" panose="020B0609020204030204" pitchFamily="49" charset="0"/>
+            <a:pPr marL="674370" lvl="1">
+              <a:lnSpc>
+                <a:spcPct val="104000"/>
+              </a:lnSpc>
+              <a:spcBef>
+                <a:spcPts val="0"/>
+              </a:spcBef>
+              <a:spcAft>
+                <a:spcPts val="0"/>
+              </a:spcAft>
+              <a:tabLst>
+                <a:tab pos="0" algn="l"/>
+              </a:tabLst>
+            </a:pPr>
+            <a:r>
+              <a:rPr lang="en-US" sz="1700">
+                <a:effectLst/>
+                <a:latin typeface="Consolas" panose="020B0609020204030204" pitchFamily="49" charset="0"/>
+                <a:ea typeface="Calibri" panose="020F0502020204030204" pitchFamily="34" charset="0"/>
+                <a:cs typeface="Courier New" panose="02070309020205020404" pitchFamily="49" charset="0"/>
+              </a:rPr>
+              <a:t>add()                  // in class </a:t>
+            </a:r>
+            <a:r>
+              <a:rPr lang="en-US" sz="1700" err="1">
+                <a:effectLst/>
+                <a:latin typeface="Consolas" panose="020B0609020204030204" pitchFamily="49" charset="0"/>
+                <a:ea typeface="Calibri" panose="020F0502020204030204" pitchFamily="34" charset="0"/>
+                <a:cs typeface="Courier New" panose="02070309020205020404" pitchFamily="49" charset="0"/>
               </a:rPr>
               <a:t>IdTable</a:t>
             </a:r>
-            <a:endParaRPr lang="en-US" sz="1850" dirty="0">
+            <a:endParaRPr lang="en-US" sz="1700">
               <a:latin typeface="Consolas" panose="020B0609020204030204" pitchFamily="49" charset="0"/>
             </a:endParaRPr>
           </a:p>
           <a:p>
             <a:r>
-              <a:rPr lang="en-US" dirty="0"/>
+              <a:rPr lang="en-US"/>
               <a:t>Any other parsing method that calls one of these five methods will need a </a:t>
             </a:r>
             <a:r>
-              <a:rPr lang="en-US" dirty="0">
+              <a:rPr lang="en-US">
                 <a:latin typeface="Consolas" panose="020B0609020204030204" pitchFamily="49" charset="0"/>
               </a:rPr>
               <a:t>try</a:t>
             </a:r>
             <a:r>
-              <a:rPr lang="en-US" dirty="0"/>
+              <a:rPr lang="en-US"/>
               <a:t>/</a:t>
             </a:r>
             <a:r>
-              <a:rPr lang="en-US" dirty="0">
+              <a:rPr lang="en-US">
                 <a:latin typeface="Consolas" panose="020B0609020204030204" pitchFamily="49" charset="0"/>
               </a:rPr>
               <a:t>catch</a:t>
             </a:r>
             <a:r>
-              <a:rPr lang="en-US" dirty="0"/>
+              <a:rPr lang="en-US"/>
               <a:t> block for error recovery.</a:t>
             </a:r>
           </a:p>
           <a:p>
-            <a:endParaRPr lang="en-US" dirty="0"/>
+            <a:endParaRPr lang="en-US"/>
           </a:p>
         </p:txBody>
       </p:sp>
@@ -8939,7 +9232,7 @@
     </p:spTree>
     <p:extLst>
       <p:ext uri="{BB962C8B-B14F-4D97-AF65-F5344CB8AC3E}">
-        <p14:creationId xmlns:p14="http://schemas.microsoft.com/office/powerpoint/2010/main" val="4224265925"/>
+        <p14:creationId xmlns:p14="http://schemas.microsoft.com/office/powerpoint/2010/main" val="2189464222"/>
       </p:ext>
     </p:extLst>
   </p:cSld>
@@ -8988,7 +9281,7 @@
           <a:lstStyle/>
           <a:p>
             <a:r>
-              <a:rPr lang="en-US" dirty="0"/>
+              <a:rPr lang="en-US"/>
               <a:t>Duplicated Error Messages</a:t>
             </a:r>
           </a:p>
@@ -9016,33 +9309,33 @@
           <a:lstStyle/>
           <a:p>
             <a:r>
-              <a:rPr lang="en-US" dirty="0"/>
+              <a:rPr lang="en-US"/>
               <a:t>Some errors can result in duplicated or very similar error messages; e.g., using a variable that was not declared properly.</a:t>
             </a:r>
           </a:p>
           <a:p>
             <a:r>
-              <a:rPr lang="en-US" dirty="0"/>
+              <a:rPr lang="en-US"/>
               <a:t>Eliminate duplicated or similar error messages by having the error handler</a:t>
             </a:r>
           </a:p>
           <a:p>
             <a:pPr lvl="1"/>
             <a:r>
-              <a:rPr lang="en-US" dirty="0"/>
+              <a:rPr lang="en-US"/>
               <a:t>check for a duplicated error message in the error handler</a:t>
             </a:r>
           </a:p>
           <a:p>
             <a:pPr lvl="1"/>
             <a:r>
-              <a:rPr lang="en-US" dirty="0"/>
+              <a:rPr lang="en-US"/>
               <a:t>save the names of all identifiers with “has not been declared” error messages</a:t>
             </a:r>
           </a:p>
           <a:p>
             <a:r>
-              <a:rPr lang="en-US" dirty="0"/>
+              <a:rPr lang="en-US"/>
               <a:t>The error handler can suppress the reporting of duplicated or similar error messages.</a:t>
             </a:r>
           </a:p>
@@ -9164,7 +9457,7 @@
           <a:lstStyle/>
           <a:p>
             <a:r>
-              <a:rPr lang="en-US" dirty="0"/>
+              <a:rPr lang="en-US"/>
               <a:t>Additional Error Recovery Strategies</a:t>
             </a:r>
           </a:p>
@@ -9186,71 +9479,71 @@
           <a:lstStyle/>
           <a:p>
             <a:r>
-              <a:rPr lang="en-US" dirty="0"/>
+              <a:rPr lang="en-US"/>
               <a:t>After reporting the error, replace the token with one that might be allowed at that point in the parsing process.</a:t>
             </a:r>
           </a:p>
           <a:p>
             <a:r>
-              <a:rPr lang="en-US" dirty="0"/>
+              <a:rPr lang="en-US"/>
               <a:t>Examples</a:t>
             </a:r>
           </a:p>
           <a:p>
             <a:pPr lvl="1"/>
             <a:r>
-              <a:rPr lang="en-US" dirty="0"/>
+              <a:rPr lang="en-US"/>
               <a:t>Replace “</a:t>
             </a:r>
             <a:r>
-              <a:rPr lang="en-US" dirty="0">
+              <a:rPr lang="en-US">
                 <a:latin typeface="Consolas" pitchFamily="49" charset="0"/>
                 <a:cs typeface="Consolas" pitchFamily="49" charset="0"/>
               </a:rPr>
               <a:t>=</a:t>
             </a:r>
             <a:r>
-              <a:rPr lang="en-US" dirty="0"/>
+              <a:rPr lang="en-US"/>
               <a:t>” by “</a:t>
             </a:r>
             <a:r>
-              <a:rPr lang="en-US" dirty="0">
+              <a:rPr lang="en-US">
                 <a:latin typeface="Consolas" pitchFamily="49" charset="0"/>
                 <a:cs typeface="Consolas" pitchFamily="49" charset="0"/>
               </a:rPr>
               <a:t>:=</a:t>
             </a:r>
             <a:r>
-              <a:rPr lang="en-US" dirty="0"/>
+              <a:rPr lang="en-US"/>
               <a:t>” when parsing an assignment statement in a CPRL compiler.</a:t>
             </a:r>
           </a:p>
           <a:p>
             <a:pPr lvl="1"/>
             <a:r>
-              <a:rPr lang="en-US" dirty="0"/>
+              <a:rPr lang="en-US"/>
               <a:t>Replace “</a:t>
             </a:r>
             <a:r>
-              <a:rPr lang="en-US" dirty="0">
+              <a:rPr lang="en-US">
                 <a:latin typeface="Consolas" pitchFamily="49" charset="0"/>
                 <a:cs typeface="Consolas" pitchFamily="49" charset="0"/>
               </a:rPr>
               <a:t>=</a:t>
             </a:r>
             <a:r>
-              <a:rPr lang="en-US" dirty="0"/>
+              <a:rPr lang="en-US"/>
               <a:t>” by “</a:t>
             </a:r>
             <a:r>
-              <a:rPr lang="en-US" dirty="0">
+              <a:rPr lang="en-US">
                 <a:latin typeface="Consolas" pitchFamily="49" charset="0"/>
                 <a:cs typeface="Consolas" pitchFamily="49" charset="0"/>
               </a:rPr>
               <a:t>==</a:t>
             </a:r>
             <a:r>
-              <a:rPr lang="en-US" dirty="0"/>
+              <a:rPr lang="en-US"/>
               <a:t>” when expecting a relational operator in a Java compiler.</a:t>
             </a:r>
           </a:p>
@@ -9355,14 +9648,14 @@
           <a:lstStyle/>
           <a:p>
             <a:r>
-              <a:rPr lang="en-US" dirty="0"/>
+              <a:rPr lang="en-US"/>
               <a:t>Additional Error Recovery Strategies</a:t>
             </a:r>
             <a:br>
-              <a:rPr lang="en-US" dirty="0"/>
+              <a:rPr lang="en-US"/>
             </a:br>
             <a:r>
-              <a:rPr lang="en-US" sz="2400" dirty="0"/>
+              <a:rPr lang="en-US" sz="2400"/>
               <a:t>(continued)</a:t>
             </a:r>
           </a:p>
@@ -9384,93 +9677,93 @@
           <a:lstStyle/>
           <a:p>
             <a:r>
-              <a:rPr lang="en-US" dirty="0"/>
+              <a:rPr lang="en-US"/>
               <a:t>After reporting the error, insert a new token in front of the one that generated the error.</a:t>
             </a:r>
           </a:p>
           <a:p>
             <a:r>
-              <a:rPr lang="en-US" dirty="0"/>
+              <a:rPr lang="en-US"/>
               <a:t>Examples</a:t>
             </a:r>
           </a:p>
           <a:p>
             <a:pPr lvl="1"/>
             <a:r>
-              <a:rPr lang="en-US" dirty="0"/>
+              <a:rPr lang="en-US"/>
               <a:t>When parsing an exit statement, after matching “</a:t>
             </a:r>
             <a:r>
-              <a:rPr lang="en-US" dirty="0">
+              <a:rPr lang="en-US">
                 <a:latin typeface="Consolas" pitchFamily="49" charset="0"/>
                 <a:cs typeface="Consolas" pitchFamily="49" charset="0"/>
               </a:rPr>
               <a:t>exit</a:t>
             </a:r>
             <a:r>
-              <a:rPr lang="en-US" dirty="0"/>
+              <a:rPr lang="en-US"/>
               <a:t>”, if the symbol encountered is in the first set of expression, insert “</a:t>
             </a:r>
             <a:r>
-              <a:rPr lang="en-US" dirty="0">
+              <a:rPr lang="en-US">
                 <a:latin typeface="Consolas" pitchFamily="49" charset="0"/>
                 <a:cs typeface="Consolas" pitchFamily="49" charset="0"/>
               </a:rPr>
               <a:t>when</a:t>
             </a:r>
             <a:r>
-              <a:rPr lang="en-US" dirty="0"/>
+              <a:rPr lang="en-US"/>
               <a:t>” and continue parsing.</a:t>
             </a:r>
           </a:p>
           <a:p>
             <a:pPr lvl="1"/>
             <a:r>
-              <a:rPr lang="en-US" dirty="0"/>
+              <a:rPr lang="en-US"/>
               <a:t>When parsing an expression, if “</a:t>
             </a:r>
             <a:r>
-              <a:rPr lang="en-US" dirty="0">
+              <a:rPr lang="en-US">
                 <a:latin typeface="Consolas" pitchFamily="49" charset="0"/>
                 <a:cs typeface="Consolas" pitchFamily="49" charset="0"/>
               </a:rPr>
               <a:t>)</a:t>
             </a:r>
             <a:r>
-              <a:rPr lang="en-US" dirty="0"/>
+              <a:rPr lang="en-US"/>
               <a:t>” is expected but “</a:t>
             </a:r>
             <a:r>
-              <a:rPr lang="en-US" dirty="0">
+              <a:rPr lang="en-US">
                 <a:latin typeface="Consolas" pitchFamily="49" charset="0"/>
                 <a:cs typeface="Consolas" pitchFamily="49" charset="0"/>
               </a:rPr>
               <a:t>;</a:t>
             </a:r>
             <a:r>
-              <a:rPr lang="en-US" dirty="0"/>
+              <a:rPr lang="en-US"/>
               <a:t>” is encountered as the next symbol, insert “</a:t>
             </a:r>
             <a:r>
-              <a:rPr lang="en-US" dirty="0">
+              <a:rPr lang="en-US">
                 <a:latin typeface="Consolas" pitchFamily="49" charset="0"/>
                 <a:cs typeface="Consolas" pitchFamily="49" charset="0"/>
               </a:rPr>
               <a:t>)</a:t>
             </a:r>
             <a:r>
-              <a:rPr lang="en-US" dirty="0"/>
+              <a:rPr lang="en-US"/>
               <a:t>” with the expectation that the “</a:t>
             </a:r>
             <a:r>
-              <a:rPr lang="en-US" dirty="0">
+              <a:rPr lang="en-US">
                 <a:latin typeface="Consolas" pitchFamily="49" charset="0"/>
                 <a:cs typeface="Consolas" pitchFamily="49" charset="0"/>
               </a:rPr>
               <a:t>;</a:t>
             </a:r>
             <a:r>
-              <a:rPr lang="en-US" dirty="0"/>
+              <a:rPr lang="en-US"/>
               <a:t>” will likely terminate a statement.</a:t>
             </a:r>
           </a:p>
@@ -9575,32 +9868,32 @@
           <a:lstStyle/>
           <a:p>
             <a:r>
-              <a:rPr lang="en-US" dirty="0"/>
+              <a:rPr lang="en-US"/>
               <a:t>Example: Additional Recovery Strategies</a:t>
             </a:r>
             <a:br>
-              <a:rPr lang="en-US" dirty="0"/>
+              <a:rPr lang="en-US"/>
             </a:br>
             <a:r>
-              <a:rPr lang="en-US" sz="2400" dirty="0"/>
+              <a:rPr lang="en-US" sz="2400"/>
               <a:t>(in method </a:t>
             </a:r>
             <a:r>
-              <a:rPr lang="en-US" sz="2400" dirty="0" err="1">
+              <a:rPr lang="en-US" sz="2400" err="1">
                 <a:latin typeface="Consolas" pitchFamily="49" charset="0"/>
                 <a:cs typeface="Consolas" pitchFamily="49" charset="0"/>
               </a:rPr>
               <a:t>parseAssignmentStmt</a:t>
             </a:r>
             <a:r>
-              <a:rPr lang="en-US" sz="2400" dirty="0">
+              <a:rPr lang="en-US" sz="2400">
                 <a:latin typeface="Consolas" pitchFamily="49" charset="0"/>
                 <a:cs typeface="Consolas" pitchFamily="49" charset="0"/>
               </a:rPr>
               <a:t>()</a:t>
             </a:r>
             <a:r>
-              <a:rPr lang="en-US" sz="2400" dirty="0"/>
+              <a:rPr lang="en-US" sz="2400"/>
               <a:t>)</a:t>
             </a:r>
           </a:p>
@@ -9633,7 +9926,7 @@
               <a:buNone/>
             </a:pPr>
             <a:r>
-              <a:rPr lang="en-US" sz="1750" dirty="0">
+              <a:rPr lang="en-US" sz="1750">
                 <a:latin typeface="Consolas" pitchFamily="49" charset="0"/>
                 <a:cs typeface="Consolas" pitchFamily="49" charset="0"/>
               </a:rPr>
@@ -9648,21 +9941,21 @@
               <a:buNone/>
             </a:pPr>
             <a:r>
-              <a:rPr lang="en-US" sz="1750" dirty="0">
+              <a:rPr lang="en-US" sz="1750">
                 <a:latin typeface="Consolas" pitchFamily="49" charset="0"/>
                 <a:cs typeface="Consolas" pitchFamily="49" charset="0"/>
               </a:rPr>
               <a:t>// match(</a:t>
             </a:r>
             <a:r>
-              <a:rPr lang="en-US" sz="1750" dirty="0" err="1">
+              <a:rPr lang="en-US" sz="1750" err="1">
                 <a:latin typeface="Consolas" pitchFamily="49" charset="0"/>
                 <a:cs typeface="Consolas" pitchFamily="49" charset="0"/>
               </a:rPr>
               <a:t>Symbol.assign</a:t>
             </a:r>
             <a:r>
-              <a:rPr lang="en-US" sz="1750" dirty="0">
+              <a:rPr lang="en-US" sz="1750">
                 <a:latin typeface="Consolas" pitchFamily="49" charset="0"/>
                 <a:cs typeface="Consolas" pitchFamily="49" charset="0"/>
               </a:rPr>
@@ -9677,7 +9970,7 @@
               <a:buNone/>
             </a:pPr>
             <a:r>
-              <a:rPr lang="en-US" sz="1750" dirty="0">
+              <a:rPr lang="en-US" sz="1750">
                 <a:latin typeface="Consolas" pitchFamily="49" charset="0"/>
                 <a:cs typeface="Consolas" pitchFamily="49" charset="0"/>
               </a:rPr>
@@ -9692,7 +9985,7 @@
               <a:buNone/>
             </a:pPr>
             <a:r>
-              <a:rPr lang="en-US" sz="1750" dirty="0">
+              <a:rPr lang="en-US" sz="1750">
                 <a:latin typeface="Consolas" pitchFamily="49" charset="0"/>
                 <a:cs typeface="Consolas" pitchFamily="49" charset="0"/>
               </a:rPr>
@@ -9707,7 +10000,7 @@
               <a:buNone/>
             </a:pPr>
             <a:r>
-              <a:rPr lang="en-US" sz="1750" dirty="0">
+              <a:rPr lang="en-US" sz="1750">
                 <a:latin typeface="Consolas" pitchFamily="49" charset="0"/>
                 <a:cs typeface="Consolas" pitchFamily="49" charset="0"/>
               </a:rPr>
@@ -9722,7 +10015,7 @@
               <a:buNone/>
             </a:pPr>
             <a:r>
-              <a:rPr lang="en-US" sz="1750" dirty="0">
+              <a:rPr lang="en-US" sz="1750">
                 <a:latin typeface="Consolas" pitchFamily="49" charset="0"/>
                 <a:cs typeface="Consolas" pitchFamily="49" charset="0"/>
               </a:rPr>
@@ -9737,21 +10030,21 @@
               <a:buNone/>
             </a:pPr>
             <a:r>
-              <a:rPr lang="en-US" sz="1750" dirty="0">
+              <a:rPr lang="en-US" sz="1750">
                 <a:latin typeface="Consolas" pitchFamily="49" charset="0"/>
                 <a:cs typeface="Consolas" pitchFamily="49" charset="0"/>
               </a:rPr>
               <a:t>catch (e : </a:t>
             </a:r>
             <a:r>
-              <a:rPr lang="en-US" sz="1750" dirty="0" err="1">
+              <a:rPr lang="en-US" sz="1750" err="1">
                 <a:latin typeface="Consolas" pitchFamily="49" charset="0"/>
                 <a:cs typeface="Consolas" pitchFamily="49" charset="0"/>
               </a:rPr>
               <a:t>ParserException</a:t>
             </a:r>
             <a:r>
-              <a:rPr lang="en-US" sz="1750" dirty="0">
+              <a:rPr lang="en-US" sz="1750">
                 <a:latin typeface="Consolas" pitchFamily="49" charset="0"/>
                 <a:cs typeface="Consolas" pitchFamily="49" charset="0"/>
               </a:rPr>
@@ -9766,7 +10059,7 @@
               <a:buNone/>
             </a:pPr>
             <a:r>
-              <a:rPr lang="en-US" sz="1750" dirty="0">
+              <a:rPr lang="en-US" sz="1750">
                 <a:latin typeface="Consolas" pitchFamily="49" charset="0"/>
                 <a:cs typeface="Consolas" pitchFamily="49" charset="0"/>
               </a:rPr>
@@ -9781,35 +10074,35 @@
               <a:buNone/>
             </a:pPr>
             <a:r>
-              <a:rPr lang="en-US" sz="1750" dirty="0">
+              <a:rPr lang="en-US" sz="1750">
                 <a:latin typeface="Consolas" pitchFamily="49" charset="0"/>
                 <a:cs typeface="Consolas" pitchFamily="49" charset="0"/>
               </a:rPr>
               <a:t>    if (</a:t>
             </a:r>
             <a:r>
-              <a:rPr lang="en-US" sz="1750" dirty="0" err="1">
+              <a:rPr lang="en-US" sz="1750" err="1">
                 <a:latin typeface="Consolas" pitchFamily="49" charset="0"/>
                 <a:cs typeface="Consolas" pitchFamily="49" charset="0"/>
               </a:rPr>
               <a:t>scanner.symbol</a:t>
             </a:r>
             <a:r>
-              <a:rPr lang="en-US" sz="1750" dirty="0">
+              <a:rPr lang="en-US" sz="1750">
                 <a:latin typeface="Consolas" pitchFamily="49" charset="0"/>
                 <a:cs typeface="Consolas" pitchFamily="49" charset="0"/>
               </a:rPr>
               <a:t> == </a:t>
             </a:r>
             <a:r>
-              <a:rPr lang="en-US" sz="1750" dirty="0" err="1">
+              <a:rPr lang="en-US" sz="1750" err="1">
                 <a:latin typeface="Consolas" pitchFamily="49" charset="0"/>
                 <a:cs typeface="Consolas" pitchFamily="49" charset="0"/>
               </a:rPr>
               <a:t>Symbol.equals</a:t>
             </a:r>
             <a:r>
-              <a:rPr lang="en-US" sz="1750" dirty="0">
+              <a:rPr lang="en-US" sz="1750">
                 <a:latin typeface="Consolas" pitchFamily="49" charset="0"/>
                 <a:cs typeface="Consolas" pitchFamily="49" charset="0"/>
               </a:rPr>
@@ -9824,7 +10117,7 @@
               <a:buNone/>
             </a:pPr>
             <a:r>
-              <a:rPr lang="en-US" sz="1750" dirty="0">
+              <a:rPr lang="en-US" sz="1750">
                 <a:latin typeface="Consolas" pitchFamily="49" charset="0"/>
                 <a:cs typeface="Consolas" pitchFamily="49" charset="0"/>
               </a:rPr>
@@ -9839,21 +10132,21 @@
               <a:buNone/>
             </a:pPr>
             <a:r>
-              <a:rPr lang="en-US" sz="1750" dirty="0">
+              <a:rPr lang="en-US" sz="1750">
                 <a:latin typeface="Consolas" pitchFamily="49" charset="0"/>
                 <a:cs typeface="Consolas" pitchFamily="49" charset="0"/>
               </a:rPr>
               <a:t>        </a:t>
             </a:r>
             <a:r>
-              <a:rPr lang="en-US" sz="1750" dirty="0" err="1">
+              <a:rPr lang="en-US" sz="1750" err="1">
                 <a:latin typeface="Consolas" pitchFamily="49" charset="0"/>
                 <a:cs typeface="Consolas" pitchFamily="49" charset="0"/>
               </a:rPr>
               <a:t>errorHandler.reportError</a:t>
             </a:r>
             <a:r>
-              <a:rPr lang="en-US" sz="1750" dirty="0">
+              <a:rPr lang="en-US" sz="1750">
                 <a:latin typeface="Consolas" pitchFamily="49" charset="0"/>
                 <a:cs typeface="Consolas" pitchFamily="49" charset="0"/>
               </a:rPr>
@@ -9868,7 +10161,7 @@
               <a:buNone/>
             </a:pPr>
             <a:r>
-              <a:rPr lang="en-US" sz="1750" dirty="0">
+              <a:rPr lang="en-US" sz="1750">
                 <a:latin typeface="Consolas" pitchFamily="49" charset="0"/>
                 <a:cs typeface="Consolas" pitchFamily="49" charset="0"/>
               </a:rPr>
@@ -9883,7 +10176,7 @@
               <a:buNone/>
             </a:pPr>
             <a:r>
-              <a:rPr lang="en-US" sz="1750" dirty="0">
+              <a:rPr lang="en-US" sz="1750">
                 <a:latin typeface="Consolas" pitchFamily="49" charset="0"/>
                 <a:cs typeface="Consolas" pitchFamily="49" charset="0"/>
               </a:rPr>
@@ -9898,7 +10191,7 @@
               <a:buNone/>
             </a:pPr>
             <a:r>
-              <a:rPr lang="en-US" sz="1750" dirty="0">
+              <a:rPr lang="en-US" sz="1750">
                 <a:latin typeface="Consolas" pitchFamily="49" charset="0"/>
                 <a:cs typeface="Consolas" pitchFamily="49" charset="0"/>
               </a:rPr>
@@ -9913,7 +10206,7 @@
               <a:buNone/>
             </a:pPr>
             <a:r>
-              <a:rPr lang="en-US" sz="1750" dirty="0">
+              <a:rPr lang="en-US" sz="1750">
                 <a:latin typeface="Consolas" pitchFamily="49" charset="0"/>
                 <a:cs typeface="Consolas" pitchFamily="49" charset="0"/>
               </a:rPr>
@@ -9928,7 +10221,7 @@
               <a:buNone/>
             </a:pPr>
             <a:r>
-              <a:rPr lang="en-US" sz="1750" dirty="0">
+              <a:rPr lang="en-US" sz="1750">
                 <a:latin typeface="Consolas" pitchFamily="49" charset="0"/>
                 <a:cs typeface="Consolas" pitchFamily="49" charset="0"/>
               </a:rPr>
@@ -9943,7 +10236,7 @@
               <a:buNone/>
             </a:pPr>
             <a:r>
-              <a:rPr lang="en-US" sz="1750" dirty="0">
+              <a:rPr lang="en-US" sz="1750">
                 <a:latin typeface="Consolas" pitchFamily="49" charset="0"/>
                 <a:cs typeface="Consolas" pitchFamily="49" charset="0"/>
               </a:rPr>
@@ -10041,19 +10334,7 @@
               <a:rPr lang="en-US" sz="2000" dirty="0">
                 <a:latin typeface="Consolas" panose="020B0609020204030204" pitchFamily="49" charset="0"/>
               </a:rPr>
-              <a:t>match(</a:t>
-            </a:r>
-            <a:r>
-              <a:rPr lang="en-US" sz="2000" dirty="0" err="1">
-                <a:latin typeface="Consolas" panose="020B0609020204030204" pitchFamily="49" charset="0"/>
-              </a:rPr>
-              <a:t>Symbol.assign</a:t>
-            </a:r>
-            <a:r>
-              <a:rPr lang="en-US" sz="2000" dirty="0">
-                <a:latin typeface="Consolas" panose="020B0609020204030204" pitchFamily="49" charset="0"/>
-              </a:rPr>
-              <a:t>)</a:t>
+              <a:t>match(Symbol.assign)</a:t>
             </a:r>
             <a:r>
               <a:rPr lang="en-US" sz="2000" dirty="0"/>
@@ -10064,7 +10345,15 @@
             <a:pPr algn="l"/>
             <a:r>
               <a:rPr lang="en-US" sz="2000" dirty="0"/>
-              <a:t>use a nested </a:t>
+              <a:t>use a </a:t>
+            </a:r>
+            <a:r>
+              <a:rPr lang="en-US" sz="2000" b="1" dirty="0"/>
+              <a:t>nested</a:t>
+            </a:r>
+            <a:r>
+              <a:rPr lang="en-US" sz="2000" dirty="0"/>
+              <a:t> </a:t>
             </a:r>
             <a:r>
               <a:rPr lang="en-US" sz="2000" dirty="0">
@@ -10166,75 +10455,75 @@
           <a:lstStyle/>
           <a:p>
             <a:r>
-              <a:rPr lang="en-US" sz="2350" dirty="0"/>
+              <a:rPr lang="en-US" sz="2350"/>
               <a:t>Lexical/Syntax errors – violation of grammar rules; e.g., invalid or missing tokens such as a missing semicolon, a string literal missing a closing quote, or using “</a:t>
             </a:r>
             <a:r>
-              <a:rPr lang="en-US" sz="2350" dirty="0">
+              <a:rPr lang="en-US" sz="2350">
                 <a:latin typeface="Consolas" pitchFamily="49" charset="0"/>
               </a:rPr>
               <a:t>=</a:t>
             </a:r>
             <a:r>
-              <a:rPr lang="en-US" sz="2350" dirty="0"/>
+              <a:rPr lang="en-US" sz="2350"/>
               <a:t>” instead of “</a:t>
             </a:r>
             <a:r>
-              <a:rPr lang="en-US" sz="2350" dirty="0">
+              <a:rPr lang="en-US" sz="2350">
                 <a:latin typeface="Consolas" pitchFamily="49" charset="0"/>
               </a:rPr>
               <a:t>:=</a:t>
             </a:r>
             <a:r>
-              <a:rPr lang="en-US" sz="2350" dirty="0"/>
+              <a:rPr lang="en-US" sz="2350"/>
               <a:t>” for assignment.</a:t>
             </a:r>
           </a:p>
           <a:p>
             <a:r>
-              <a:rPr lang="en-US" sz="2350" dirty="0"/>
+              <a:rPr lang="en-US" sz="2350"/>
               <a:t>Scope errors – violation of language scope rules; e.g., declaring two identifiers with the same name within the same scope.</a:t>
             </a:r>
           </a:p>
           <a:p>
             <a:r>
-              <a:rPr lang="en-US" sz="2350" dirty="0"/>
+              <a:rPr lang="en-US" sz="2350"/>
               <a:t>Type errors – violation of language type rules; e.g., the expression following an “</a:t>
             </a:r>
             <a:r>
-              <a:rPr lang="en-US" sz="2350" dirty="0">
+              <a:rPr lang="en-US" sz="2350">
                 <a:latin typeface="Consolas" pitchFamily="49" charset="0"/>
               </a:rPr>
               <a:t>if</a:t>
             </a:r>
             <a:r>
-              <a:rPr lang="en-US" sz="2350" dirty="0"/>
+              <a:rPr lang="en-US" sz="2350"/>
               <a:t>” does not have type </a:t>
             </a:r>
             <a:r>
-              <a:rPr lang="en-US" sz="2350" dirty="0">
+              <a:rPr lang="en-US" sz="2350">
                 <a:latin typeface="Consolas" panose="020B0609020204030204" pitchFamily="49" charset="0"/>
               </a:rPr>
               <a:t>Boolean</a:t>
             </a:r>
             <a:r>
-              <a:rPr lang="en-US" sz="2350" dirty="0"/>
+              <a:rPr lang="en-US" sz="2350"/>
               <a:t>.</a:t>
             </a:r>
           </a:p>
           <a:p>
             <a:r>
-              <a:rPr lang="en-US" sz="2350" dirty="0"/>
+              <a:rPr lang="en-US" sz="2350"/>
               <a:t>Miscellaneous errors – other errors not categorized above; e.g., functions may not have </a:t>
             </a:r>
             <a:r>
-              <a:rPr lang="en-US" sz="2350" dirty="0">
+              <a:rPr lang="en-US" sz="2350">
                 <a:latin typeface="Consolas" panose="020B0609020204030204" pitchFamily="49" charset="0"/>
               </a:rPr>
               <a:t>var</a:t>
             </a:r>
             <a:r>
-              <a:rPr lang="en-US" sz="2350" dirty="0"/>
+              <a:rPr lang="en-US" sz="2350"/>
               <a:t> parameters.</a:t>
             </a:r>
           </a:p>
@@ -10341,7 +10630,7 @@
           <a:lstStyle/>
           <a:p>
             <a:r>
-              <a:rPr lang="en-US" dirty="0"/>
+              <a:rPr lang="en-US"/>
               <a:t>The CPRL Exception Hierarchy</a:t>
             </a:r>
           </a:p>
@@ -10452,37 +10741,37 @@
           <a:p>
             <a:pPr algn="l"/>
             <a:r>
-              <a:rPr lang="en-US" sz="2000" dirty="0"/>
+              <a:rPr lang="en-US" sz="2000"/>
               <a:t>Kotlin does not have checked exceptions, but all four subclasses of</a:t>
             </a:r>
           </a:p>
           <a:p>
             <a:pPr algn="l"/>
             <a:r>
-              <a:rPr lang="en-US" sz="2000" dirty="0">
+              <a:rPr lang="en-US" sz="2000">
                 <a:latin typeface="Consolas" panose="020B0609020204030204" pitchFamily="49" charset="0"/>
               </a:rPr>
               <a:t>CompilerException</a:t>
             </a:r>
             <a:r>
-              <a:rPr lang="en-US" sz="2000" dirty="0"/>
+              <a:rPr lang="en-US" sz="2000"/>
               <a:t> are classified as checked exceptions in Java.</a:t>
             </a:r>
           </a:p>
           <a:p>
             <a:pPr algn="l"/>
             <a:r>
-              <a:rPr lang="en-US" sz="2000" dirty="0"/>
+              <a:rPr lang="en-US" sz="2000"/>
               <a:t>Class </a:t>
             </a:r>
             <a:r>
-              <a:rPr lang="en-US" sz="2000" dirty="0">
+              <a:rPr lang="en-US" sz="2000">
                 <a:latin typeface="Consolas" panose="020B0609020204030204" pitchFamily="49" charset="0"/>
               </a:rPr>
               <a:t>InternalCompilerException</a:t>
             </a:r>
             <a:r>
-              <a:rPr lang="en-US" sz="2000" dirty="0"/>
+              <a:rPr lang="en-US" sz="2000"/>
               <a:t> is an unchecked exception in Java.</a:t>
             </a:r>
           </a:p>
@@ -10564,12 +10853,12 @@
                 <a:defRPr/>
               </a:pPr>
               <a:r>
-                <a:rPr lang="en-US" sz="1300" kern="0" dirty="0">
+                <a:rPr lang="en-US" sz="1300" kern="0">
                   <a:latin typeface="Arial" charset="0"/>
                 </a:rPr>
                 <a:t>Exception</a:t>
               </a:r>
-              <a:endParaRPr kumimoji="0" lang="en-US" sz="1300" b="0" i="0" u="none" strike="noStrike" kern="0" cap="none" spc="0" normalizeH="0" baseline="0" noProof="0" dirty="0">
+              <a:endParaRPr kumimoji="0" lang="en-US" sz="1300" b="0" i="0" u="none" strike="noStrike" kern="0" cap="none" spc="0" normalizeH="0" baseline="0" noProof="0">
                 <a:ln>
                   <a:noFill/>
                 </a:ln>
@@ -10637,7 +10926,7 @@
                 <a:defRPr/>
               </a:pPr>
               <a:r>
-                <a:rPr kumimoji="0" lang="en-US" sz="1300" b="0" i="1" u="none" strike="noStrike" kern="0" cap="none" spc="0" normalizeH="0" baseline="0" noProof="0" dirty="0" err="1">
+                <a:rPr kumimoji="0" lang="en-US" sz="1300" b="0" i="1" u="none" strike="noStrike" kern="0" cap="none" spc="0" normalizeH="0" baseline="0" noProof="0" err="1">
                   <a:ln>
                     <a:noFill/>
                   </a:ln>
@@ -10648,7 +10937,7 @@
                 </a:rPr>
                 <a:t>CompilerException</a:t>
               </a:r>
-              <a:endParaRPr kumimoji="0" lang="en-US" sz="1300" b="0" i="1" u="none" strike="noStrike" kern="0" cap="none" spc="0" normalizeH="0" baseline="0" noProof="0" dirty="0">
+              <a:endParaRPr kumimoji="0" lang="en-US" sz="1300" b="0" i="1" u="none" strike="noStrike" kern="0" cap="none" spc="0" normalizeH="0" baseline="0" noProof="0">
                 <a:ln>
                   <a:noFill/>
                 </a:ln>
@@ -10716,13 +11005,13 @@
                 <a:defRPr/>
               </a:pPr>
               <a:r>
-                <a:rPr lang="en-US" sz="1300" kern="0" dirty="0">
+                <a:rPr lang="en-US" sz="1300" kern="0">
                   <a:latin typeface="Arial" charset="0"/>
                 </a:rPr>
                 <a:t>Scanner</a:t>
               </a:r>
               <a:r>
-                <a:rPr kumimoji="0" lang="en-US" sz="1300" b="0" i="0" u="none" strike="noStrike" kern="0" cap="none" spc="0" normalizeH="0" baseline="0" noProof="0" dirty="0">
+                <a:rPr kumimoji="0" lang="en-US" sz="1300" b="0" i="0" u="none" strike="noStrike" kern="0" cap="none" spc="0" normalizeH="0" baseline="0" noProof="0">
                   <a:ln>
                     <a:noFill/>
                   </a:ln>
@@ -10792,13 +11081,13 @@
                 <a:defRPr/>
               </a:pPr>
               <a:r>
-                <a:rPr lang="en-US" sz="1300" kern="0" dirty="0">
+                <a:rPr lang="en-US" sz="1300" kern="0">
                   <a:latin typeface="Arial" charset="0"/>
                 </a:rPr>
                 <a:t>Parser</a:t>
               </a:r>
               <a:r>
-                <a:rPr kumimoji="0" lang="en-US" sz="1300" b="0" i="0" u="none" strike="noStrike" kern="0" cap="none" spc="0" normalizeH="0" baseline="0" noProof="0" dirty="0">
+                <a:rPr kumimoji="0" lang="en-US" sz="1300" b="0" i="0" u="none" strike="noStrike" kern="0" cap="none" spc="0" normalizeH="0" baseline="0" noProof="0">
                   <a:ln>
                     <a:noFill/>
                   </a:ln>
@@ -10868,7 +11157,7 @@
                 <a:defRPr/>
               </a:pPr>
               <a:r>
-                <a:rPr kumimoji="0" lang="en-US" sz="1300" b="0" i="0" u="none" strike="noStrike" kern="0" cap="none" spc="0" normalizeH="0" baseline="0" noProof="0" dirty="0">
+                <a:rPr kumimoji="0" lang="en-US" sz="1300" b="0" i="0" u="none" strike="noStrike" kern="0" cap="none" spc="0" normalizeH="0" baseline="0" noProof="0">
                   <a:ln>
                     <a:noFill/>
                   </a:ln>
@@ -10938,7 +11227,7 @@
                 <a:defRPr/>
               </a:pPr>
               <a:r>
-                <a:rPr kumimoji="0" lang="en-US" sz="1300" b="0" i="0" u="none" strike="noStrike" kern="0" cap="none" spc="0" normalizeH="0" baseline="0" noProof="0" dirty="0">
+                <a:rPr kumimoji="0" lang="en-US" sz="1300" b="0" i="0" u="none" strike="noStrike" kern="0" cap="none" spc="0" normalizeH="0" baseline="0" noProof="0">
                   <a:ln>
                     <a:noFill/>
                   </a:ln>
@@ -11325,7 +11614,7 @@
                 <a:defRPr/>
               </a:pPr>
               <a:r>
-                <a:rPr kumimoji="0" lang="en-US" sz="1300" b="0" i="0" u="none" strike="noStrike" kern="0" cap="none" spc="0" normalizeH="0" baseline="0" noProof="0" dirty="0" err="1">
+                <a:rPr kumimoji="0" lang="en-US" sz="1300" b="0" i="0" u="none" strike="noStrike" kern="0" cap="none" spc="0" normalizeH="0" baseline="0" noProof="0" err="1">
                   <a:ln>
                     <a:noFill/>
                   </a:ln>
@@ -11336,7 +11625,7 @@
                 <a:t>Runtime</a:t>
               </a:r>
               <a:r>
-                <a:rPr kumimoji="0" lang="en-US" sz="1300" b="0" i="0" u="none" strike="noStrike" kern="0" cap="none" spc="0" normalizeH="0" baseline="0" noProof="0" dirty="0" err="1">
+                <a:rPr kumimoji="0" lang="en-US" sz="1300" b="0" i="0" u="none" strike="noStrike" kern="0" cap="none" spc="0" normalizeH="0" baseline="0" noProof="0" err="1">
                   <a:ln>
                     <a:noFill/>
                   </a:ln>
@@ -11347,7 +11636,7 @@
                 </a:rPr>
                 <a:t>Exception</a:t>
               </a:r>
-              <a:endParaRPr kumimoji="0" lang="en-US" sz="1300" b="0" i="0" u="none" strike="noStrike" kern="0" cap="none" spc="0" normalizeH="0" baseline="0" noProof="0" dirty="0">
+              <a:endParaRPr kumimoji="0" lang="en-US" sz="1300" b="0" i="0" u="none" strike="noStrike" kern="0" cap="none" spc="0" normalizeH="0" baseline="0" noProof="0">
                 <a:ln>
                   <a:noFill/>
                 </a:ln>
@@ -11415,7 +11704,7 @@
                 <a:defRPr/>
               </a:pPr>
               <a:r>
-                <a:rPr kumimoji="0" lang="en-US" sz="1300" b="0" i="0" u="none" strike="noStrike" kern="0" cap="none" spc="0" normalizeH="0" baseline="0" noProof="0" dirty="0">
+                <a:rPr kumimoji="0" lang="en-US" sz="1300" b="0" i="0" u="none" strike="noStrike" kern="0" cap="none" spc="0" normalizeH="0" baseline="0" noProof="0">
                   <a:ln>
                     <a:noFill/>
                   </a:ln>
@@ -11628,7 +11917,7 @@
                 <a:defRPr/>
               </a:pPr>
               <a:r>
-                <a:rPr kumimoji="0" lang="en-US" sz="1300" b="0" i="0" u="none" strike="noStrike" kern="0" cap="none" spc="0" normalizeH="0" baseline="0" noProof="0" dirty="0" err="1">
+                <a:rPr kumimoji="0" lang="en-US" sz="1300" b="0" i="0" u="none" strike="noStrike" kern="0" cap="none" spc="0" normalizeH="0" baseline="0" noProof="0" err="1">
                   <a:ln>
                     <a:noFill/>
                   </a:ln>
@@ -11639,7 +11928,7 @@
                 </a:rPr>
                 <a:t>FatalException</a:t>
               </a:r>
-              <a:endParaRPr kumimoji="0" lang="en-US" sz="1300" b="0" i="0" u="none" strike="noStrike" kern="0" cap="none" spc="0" normalizeH="0" baseline="0" noProof="0" dirty="0">
+              <a:endParaRPr kumimoji="0" lang="en-US" sz="1300" b="0" i="0" u="none" strike="noStrike" kern="0" cap="none" spc="0" normalizeH="0" baseline="0" noProof="0">
                 <a:ln>
                   <a:noFill/>
                 </a:ln>
@@ -11940,7 +12229,7 @@
           <a:lstStyle/>
           <a:p>
             <a:r>
-              <a:rPr lang="en-US" dirty="0"/>
+              <a:rPr lang="en-US"/>
               <a:t>Checked Versus Unchecked Exceptions</a:t>
             </a:r>
           </a:p>
@@ -11962,86 +12251,86 @@
           <a:lstStyle/>
           <a:p>
             <a:r>
-              <a:rPr lang="en-US" sz="2350" dirty="0"/>
+              <a:rPr lang="en-US" sz="2350"/>
               <a:t>In Java, any exception that derives from class </a:t>
             </a:r>
             <a:r>
-              <a:rPr lang="en-US" sz="2350" dirty="0">
+              <a:rPr lang="en-US" sz="2350">
                 <a:latin typeface="Consolas" pitchFamily="49" charset="0"/>
               </a:rPr>
               <a:t>Error</a:t>
             </a:r>
             <a:r>
-              <a:rPr lang="en-US" sz="2350" dirty="0"/>
+              <a:rPr lang="en-US" sz="2350"/>
               <a:t> or class </a:t>
             </a:r>
             <a:r>
-              <a:rPr lang="en-US" sz="2350" dirty="0" err="1">
+              <a:rPr lang="en-US" sz="2350" err="1">
                 <a:latin typeface="Consolas" pitchFamily="49" charset="0"/>
               </a:rPr>
               <a:t>RuntimeException</a:t>
             </a:r>
             <a:r>
-              <a:rPr lang="en-US" sz="2350" dirty="0"/>
+              <a:rPr lang="en-US" sz="2350"/>
               <a:t> is called an </a:t>
             </a:r>
             <a:r>
-              <a:rPr lang="en-US" sz="2350" i="1" dirty="0"/>
+              <a:rPr lang="en-US" sz="2350" i="1"/>
               <a:t>unchecked</a:t>
             </a:r>
             <a:r>
-              <a:rPr lang="en-US" sz="2350" dirty="0"/>
+              <a:rPr lang="en-US" sz="2350"/>
               <a:t> exception.</a:t>
             </a:r>
           </a:p>
           <a:p>
             <a:r>
-              <a:rPr lang="en-US" sz="2350" dirty="0"/>
+              <a:rPr lang="en-US" sz="2350"/>
               <a:t>All other exceptions are called </a:t>
             </a:r>
             <a:r>
-              <a:rPr lang="en-US" sz="2350" i="1" dirty="0"/>
+              <a:rPr lang="en-US" sz="2350" i="1"/>
               <a:t>checked</a:t>
             </a:r>
             <a:r>
-              <a:rPr lang="en-US" sz="2350" dirty="0"/>
+              <a:rPr lang="en-US" sz="2350"/>
               <a:t> exceptions.</a:t>
             </a:r>
           </a:p>
           <a:p>
             <a:r>
-              <a:rPr lang="en-US" sz="2350" dirty="0"/>
+              <a:rPr lang="en-US" sz="2350"/>
               <a:t>Two special situations for Java (but not Kotlin): If a call is made to a method that throws a checked exception or if a checked exception is explicitly thrown, then an enclosing block </a:t>
             </a:r>
             <a:r>
-              <a:rPr lang="en-US" sz="2350" b="1" dirty="0"/>
+              <a:rPr lang="en-US" sz="2350" b="1"/>
               <a:t>must</a:t>
             </a:r>
             <a:r>
-              <a:rPr lang="en-US" sz="2350" dirty="0"/>
+              <a:rPr lang="en-US" sz="2350"/>
               <a:t> either handle the exception locally or else the enclosing method must declare the exception as part of its exception specification list.</a:t>
             </a:r>
           </a:p>
           <a:p>
             <a:r>
-              <a:rPr lang="en-US" sz="2350" dirty="0"/>
+              <a:rPr lang="en-US" sz="2350"/>
               <a:t>Unchecked exceptions </a:t>
             </a:r>
             <a:r>
-              <a:rPr lang="en-US" sz="2350" b="1" dirty="0"/>
+              <a:rPr lang="en-US" sz="2350" b="1"/>
               <a:t>may</a:t>
             </a:r>
             <a:r>
-              <a:rPr lang="en-US" sz="2350" dirty="0"/>
+              <a:rPr lang="en-US" sz="2350"/>
               <a:t> be declared in the exception specification list or handled, but doing so is not required.</a:t>
             </a:r>
-            <a:endParaRPr lang="en-US" sz="2350" b="1" dirty="0"/>
-          </a:p>
-          <a:p>
-            <a:endParaRPr lang="en-US" sz="2350" dirty="0"/>
-          </a:p>
-          <a:p>
-            <a:endParaRPr lang="en-US" sz="2350" dirty="0"/>
+            <a:endParaRPr lang="en-US" sz="2350" b="1"/>
+          </a:p>
+          <a:p>
+            <a:endParaRPr lang="en-US" sz="2350"/>
+          </a:p>
+          <a:p>
+            <a:endParaRPr lang="en-US" sz="2350"/>
           </a:p>
         </p:txBody>
       </p:sp>
@@ -12113,33 +12402,33 @@
           <a:lstStyle/>
           <a:p>
             <a:r>
-              <a:rPr lang="en-US" b="1" dirty="0"/>
+              <a:rPr lang="en-US" b="1"/>
               <a:t>Error Handling</a:t>
             </a:r>
             <a:r>
-              <a:rPr lang="en-US" dirty="0"/>
+              <a:rPr lang="en-US"/>
               <a:t> – Finding errors and reporting them to the user.</a:t>
             </a:r>
           </a:p>
           <a:p>
             <a:r>
-              <a:rPr lang="en-US" b="1" dirty="0"/>
+              <a:rPr lang="en-US" b="1"/>
               <a:t>Error Recovery</a:t>
             </a:r>
             <a:r>
-              <a:rPr lang="en-US" dirty="0"/>
+              <a:rPr lang="en-US"/>
               <a:t> – Compiler attempts to resynchronize its state and possibly the state of the input token stream so that compilation can continue normally.</a:t>
             </a:r>
           </a:p>
           <a:p>
             <a:r>
-              <a:rPr lang="en-US" dirty="0"/>
+              <a:rPr lang="en-US"/>
               <a:t>The purpose of error recovery is to find as many errors as possible in a single compilation, with the goal of reporting every error exactly one time.</a:t>
             </a:r>
           </a:p>
           <a:p>
             <a:r>
-              <a:rPr lang="en-US" dirty="0"/>
+              <a:rPr lang="en-US"/>
               <a:t>Effective error recovery is extremely difficult.  Any error reported after the first one should be considered suspect by the programmer.</a:t>
             </a:r>
           </a:p>
@@ -12268,18 +12557,18 @@
           <a:lstStyle/>
           <a:p>
             <a:r>
-              <a:rPr lang="en-US" dirty="0"/>
+              <a:rPr lang="en-US"/>
               <a:t>Handles the reporting of errors</a:t>
             </a:r>
           </a:p>
           <a:p>
             <a:r>
-              <a:rPr lang="en-US" dirty="0"/>
+              <a:rPr lang="en-US"/>
               <a:t>Exits compilation after a fixed number of errors have been reported</a:t>
             </a:r>
           </a:p>
           <a:p>
-            <a:endParaRPr lang="en-US" dirty="0"/>
+            <a:endParaRPr lang="en-US"/>
           </a:p>
         </p:txBody>
       </p:sp>
@@ -12378,11 +12667,11 @@
           <a:lstStyle/>
           <a:p>
             <a:r>
-              <a:rPr lang="en-US" dirty="0"/>
+              <a:rPr lang="en-US"/>
               <a:t>Two Key Methods in Class </a:t>
             </a:r>
             <a:r>
-              <a:rPr lang="en-US" dirty="0">
+              <a:rPr lang="en-US">
                 <a:latin typeface="Consolas" panose="020B0609020204030204" pitchFamily="49" charset="0"/>
               </a:rPr>
               <a:t>ErrorHandler</a:t>
@@ -12402,7 +12691,7 @@
         </p:nvSpPr>
         <p:spPr/>
         <p:txBody>
-          <a:bodyPr/>
+          <a:bodyPr lIns="182880" tIns="91440"/>
           <a:lstStyle/>
           <a:p>
             <a:pPr marL="182880" lvl="1" indent="0">
@@ -12733,70 +13022,70 @@
           <a:lstStyle/>
           <a:p>
             <a:r>
-              <a:rPr lang="en-US" dirty="0"/>
+              <a:rPr lang="en-US"/>
               <a:t>Enclose the parsing code for each rule with a </a:t>
             </a:r>
             <a:r>
-              <a:rPr lang="en-US" dirty="0">
+              <a:rPr lang="en-US">
                 <a:latin typeface="Consolas" pitchFamily="49" charset="0"/>
               </a:rPr>
               <a:t>try/catch</a:t>
             </a:r>
             <a:r>
-              <a:rPr lang="en-US" dirty="0"/>
+              <a:rPr lang="en-US"/>
               <a:t> block.</a:t>
             </a:r>
           </a:p>
           <a:p>
             <a:r>
-              <a:rPr lang="en-US" dirty="0"/>
+              <a:rPr lang="en-US"/>
               <a:t>When errors are detected, an exception is thrown, and control transfers to the </a:t>
             </a:r>
             <a:r>
-              <a:rPr lang="en-US" dirty="0">
+              <a:rPr lang="en-US">
                 <a:latin typeface="Consolas" pitchFamily="49" charset="0"/>
               </a:rPr>
               <a:t>catch</a:t>
             </a:r>
             <a:r>
-              <a:rPr lang="en-US" dirty="0"/>
+              <a:rPr lang="en-US"/>
               <a:t> block.</a:t>
             </a:r>
           </a:p>
           <a:p>
             <a:r>
-              <a:rPr lang="en-US" dirty="0"/>
+              <a:rPr lang="en-US"/>
               <a:t>The </a:t>
             </a:r>
             <a:r>
-              <a:rPr lang="en-US" dirty="0">
+              <a:rPr lang="en-US">
                 <a:latin typeface="Consolas" pitchFamily="49" charset="0"/>
               </a:rPr>
               <a:t>catch</a:t>
             </a:r>
             <a:r>
-              <a:rPr lang="en-US" dirty="0"/>
+              <a:rPr lang="en-US"/>
               <a:t> block will</a:t>
             </a:r>
           </a:p>
           <a:p>
             <a:pPr lvl="1"/>
             <a:r>
-              <a:rPr lang="en-US" dirty="0"/>
+              <a:rPr lang="en-US"/>
               <a:t>report the error by calling appropriate methods in the error handler</a:t>
             </a:r>
           </a:p>
           <a:p>
             <a:pPr lvl="1"/>
             <a:r>
-              <a:rPr lang="en-US" dirty="0"/>
+              <a:rPr lang="en-US"/>
               <a:t>skip tokens until it finds one in the follow set of the nonterminal defined by the rule</a:t>
             </a:r>
           </a:p>
           <a:p>
             <a:pPr lvl="1"/>
             <a:r>
-              <a:rPr lang="en-US" dirty="0"/>
+              <a:rPr lang="en-US"/>
               <a:t>return from the parsing method for this rule</a:t>
             </a:r>
           </a:p>

--- a/PowerPoints/07 - Error Handling.pptx
+++ b/PowerPoints/07 - Error Handling.pptx
@@ -8876,16 +8876,20 @@
           <a:p>
             <a:r>
               <a:rPr lang="en-US"/>
-              <a:t>Only five methods throw a </a:t>
-            </a:r>
-            <a:r>
-              <a:rPr lang="en-US" err="1">
+              <a:t>Only three </a:t>
+            </a:r>
+            <a:r>
+              <a:rPr lang="en-US" dirty="0"/>
+              <a:t>methods throw a </a:t>
+            </a:r>
+            <a:r>
+              <a:rPr lang="en-US" dirty="0" err="1">
                 <a:latin typeface="Consolas" panose="020B0609020204030204" pitchFamily="49" charset="0"/>
               </a:rPr>
               <a:t>ParserException</a:t>
             </a:r>
             <a:r>
-              <a:rPr lang="en-US"/>
+              <a:rPr lang="en-US" dirty="0"/>
               <a:t> back to the caller.</a:t>
             </a:r>
           </a:p>
@@ -8905,7 +8909,7 @@
               </a:tabLst>
             </a:pPr>
             <a:r>
-              <a:rPr lang="en-US" sz="1700">
+              <a:rPr lang="en-US" sz="1700" dirty="0">
                 <a:effectLst/>
                 <a:latin typeface="Consolas" panose="020B0609020204030204" pitchFamily="49" charset="0"/>
                 <a:ea typeface="Calibri" panose="020F0502020204030204" pitchFamily="34" charset="0"/>
@@ -8930,7 +8934,7 @@
               </a:tabLst>
             </a:pPr>
             <a:r>
-              <a:rPr lang="en-US" sz="1700" err="1">
+              <a:rPr lang="en-US" sz="1700" dirty="0" err="1">
                 <a:effectLst/>
                 <a:latin typeface="Consolas" panose="020B0609020204030204" pitchFamily="49" charset="0"/>
                 <a:ea typeface="Calibri" panose="020F0502020204030204" pitchFamily="34" charset="0"/>
@@ -8939,7 +8943,7 @@
               <a:t>parseVariableCommon</a:t>
             </a:r>
             <a:r>
-              <a:rPr lang="en-US" sz="1700">
+              <a:rPr lang="en-US" sz="1700" dirty="0">
                 <a:effectLst/>
                 <a:latin typeface="Consolas" panose="020B0609020204030204" pitchFamily="49" charset="0"/>
                 <a:ea typeface="Calibri" panose="020F0502020204030204" pitchFamily="34" charset="0"/>
@@ -8948,7 +8952,7 @@
               <a:t>()  // called only by </a:t>
             </a:r>
             <a:r>
-              <a:rPr lang="en-US" sz="1700" err="1">
+              <a:rPr lang="en-US" sz="1700" dirty="0" err="1">
                 <a:effectLst/>
                 <a:latin typeface="Consolas" panose="020B0609020204030204" pitchFamily="49" charset="0"/>
                 <a:ea typeface="Calibri" panose="020F0502020204030204" pitchFamily="34" charset="0"/>
@@ -8957,7 +8961,7 @@
               <a:t>parseVariable</a:t>
             </a:r>
             <a:r>
-              <a:rPr lang="en-US" sz="1700">
+              <a:rPr lang="en-US" sz="1700" dirty="0">
                 <a:effectLst/>
                 <a:latin typeface="Consolas" panose="020B0609020204030204" pitchFamily="49" charset="0"/>
                 <a:ea typeface="Calibri" panose="020F0502020204030204" pitchFamily="34" charset="0"/>
@@ -8966,14 +8970,14 @@
               <a:t>()</a:t>
             </a:r>
             <a:br>
-              <a:rPr lang="en-US" sz="1700">
+              <a:rPr lang="en-US" sz="1700" dirty="0">
                 <a:latin typeface="Consolas" panose="020B0609020204030204" pitchFamily="49" charset="0"/>
                 <a:ea typeface="Calibri" panose="020F0502020204030204" pitchFamily="34" charset="0"/>
                 <a:cs typeface="Courier New" panose="02070309020205020404" pitchFamily="49" charset="0"/>
               </a:rPr>
             </a:br>
             <a:r>
-              <a:rPr lang="en-US" sz="1700">
+              <a:rPr lang="en-US" sz="1700" dirty="0">
                 <a:latin typeface="Consolas" panose="020B0609020204030204" pitchFamily="49" charset="0"/>
                 <a:ea typeface="Calibri" panose="020F0502020204030204" pitchFamily="34" charset="0"/>
                 <a:cs typeface="Courier New" panose="02070309020205020404" pitchFamily="49" charset="0"/>
@@ -8981,7 +8985,7 @@
               <a:t>                       //    and </a:t>
             </a:r>
             <a:r>
-              <a:rPr lang="en-US" sz="1700" err="1">
+              <a:rPr lang="en-US" sz="1700" dirty="0" err="1">
                 <a:latin typeface="Consolas" panose="020B0609020204030204" pitchFamily="49" charset="0"/>
                 <a:ea typeface="Calibri" panose="020F0502020204030204" pitchFamily="34" charset="0"/>
                 <a:cs typeface="Courier New" panose="02070309020205020404" pitchFamily="49" charset="0"/>
@@ -8989,14 +8993,14 @@
               <a:t>parseVariableExpr</a:t>
             </a:r>
             <a:r>
-              <a:rPr lang="en-US" sz="1700">
+              <a:rPr lang="en-US" sz="1700" dirty="0">
                 <a:latin typeface="Consolas" panose="020B0609020204030204" pitchFamily="49" charset="0"/>
                 <a:ea typeface="Calibri" panose="020F0502020204030204" pitchFamily="34" charset="0"/>
                 <a:cs typeface="Courier New" panose="02070309020205020404" pitchFamily="49" charset="0"/>
               </a:rPr>
               <a:t>()  </a:t>
             </a:r>
-            <a:endParaRPr lang="en-US" sz="1700">
+            <a:endParaRPr lang="en-US" sz="1700" dirty="0">
               <a:effectLst/>
               <a:latin typeface="Consolas" panose="020B0609020204030204" pitchFamily="49" charset="0"/>
               <a:ea typeface="Calibri" panose="020F0502020204030204" pitchFamily="34" charset="0"/>
@@ -9019,159 +9023,55 @@
               </a:tabLst>
             </a:pPr>
             <a:r>
-              <a:rPr lang="en-US" sz="1700" err="1">
+              <a:rPr lang="en-US" sz="1700" dirty="0">
                 <a:effectLst/>
                 <a:latin typeface="Consolas" panose="020B0609020204030204" pitchFamily="49" charset="0"/>
                 <a:ea typeface="Calibri" panose="020F0502020204030204" pitchFamily="34" charset="0"/>
                 <a:cs typeface="Courier New" panose="02070309020205020404" pitchFamily="49" charset="0"/>
               </a:rPr>
-              <a:t>parseIndexExpr</a:t>
-            </a:r>
-            <a:r>
-              <a:rPr lang="en-US" sz="1700">
+              <a:t>add()                  // in class </a:t>
+            </a:r>
+            <a:r>
+              <a:rPr lang="en-US" sz="1700" dirty="0" err="1">
                 <a:effectLst/>
                 <a:latin typeface="Consolas" panose="020B0609020204030204" pitchFamily="49" charset="0"/>
                 <a:ea typeface="Calibri" panose="020F0502020204030204" pitchFamily="34" charset="0"/>
                 <a:cs typeface="Courier New" panose="02070309020205020404" pitchFamily="49" charset="0"/>
               </a:rPr>
-              <a:t>()       // called only by </a:t>
-            </a:r>
-            <a:r>
-              <a:rPr lang="en-US" sz="1700" err="1">
-                <a:effectLst/>
-                <a:latin typeface="Consolas" panose="020B0609020204030204" pitchFamily="49" charset="0"/>
-                <a:ea typeface="Calibri" panose="020F0502020204030204" pitchFamily="34" charset="0"/>
-                <a:cs typeface="Courier New" panose="02070309020205020404" pitchFamily="49" charset="0"/>
-              </a:rPr>
-              <a:t>parseVariableCommon</a:t>
-            </a:r>
-            <a:r>
-              <a:rPr lang="en-US" sz="1700">
-                <a:effectLst/>
-                <a:latin typeface="Consolas" panose="020B0609020204030204" pitchFamily="49" charset="0"/>
-                <a:ea typeface="Calibri" panose="020F0502020204030204" pitchFamily="34" charset="0"/>
-                <a:cs typeface="Courier New" panose="02070309020205020404" pitchFamily="49" charset="0"/>
-              </a:rPr>
-              <a:t>()</a:t>
-            </a:r>
-          </a:p>
-          <a:p>
-            <a:pPr marL="674370" lvl="1">
-              <a:lnSpc>
-                <a:spcPct val="104000"/>
-              </a:lnSpc>
-              <a:spcBef>
-                <a:spcPts val="0"/>
-              </a:spcBef>
-              <a:spcAft>
-                <a:spcPts val="0"/>
-              </a:spcAft>
-              <a:tabLst>
-                <a:tab pos="0" algn="l"/>
-              </a:tabLst>
-            </a:pPr>
-            <a:r>
-              <a:rPr lang="en-US" sz="1700" err="1">
-                <a:effectLst/>
-                <a:latin typeface="Consolas" panose="020B0609020204030204" pitchFamily="49" charset="0"/>
-                <a:ea typeface="Calibri" panose="020F0502020204030204" pitchFamily="34" charset="0"/>
-                <a:cs typeface="Courier New" panose="02070309020205020404" pitchFamily="49" charset="0"/>
-              </a:rPr>
-              <a:t>parseFieldExpr</a:t>
-            </a:r>
-            <a:r>
-              <a:rPr lang="en-US" sz="1700">
-                <a:effectLst/>
-                <a:latin typeface="Consolas" panose="020B0609020204030204" pitchFamily="49" charset="0"/>
-                <a:ea typeface="Calibri" panose="020F0502020204030204" pitchFamily="34" charset="0"/>
-                <a:cs typeface="Courier New" panose="02070309020205020404" pitchFamily="49" charset="0"/>
-              </a:rPr>
-              <a:t>()       // called only by </a:t>
-            </a:r>
-            <a:r>
-              <a:rPr lang="en-US" sz="1700" err="1">
-                <a:effectLst/>
-                <a:latin typeface="Consolas" panose="020B0609020204030204" pitchFamily="49" charset="0"/>
-                <a:ea typeface="Calibri" panose="020F0502020204030204" pitchFamily="34" charset="0"/>
-                <a:cs typeface="Courier New" panose="02070309020205020404" pitchFamily="49" charset="0"/>
-              </a:rPr>
-              <a:t>parseVariableCommon</a:t>
-            </a:r>
-            <a:r>
-              <a:rPr lang="en-US" sz="1700">
-                <a:effectLst/>
-                <a:latin typeface="Consolas" panose="020B0609020204030204" pitchFamily="49" charset="0"/>
-                <a:ea typeface="Calibri" panose="020F0502020204030204" pitchFamily="34" charset="0"/>
-                <a:cs typeface="Courier New" panose="02070309020205020404" pitchFamily="49" charset="0"/>
-              </a:rPr>
-              <a:t>()</a:t>
-            </a:r>
-          </a:p>
-          <a:p>
-            <a:pPr marL="674370" lvl="1">
-              <a:lnSpc>
-                <a:spcPct val="104000"/>
-              </a:lnSpc>
-              <a:spcBef>
-                <a:spcPts val="0"/>
-              </a:spcBef>
-              <a:spcAft>
-                <a:spcPts val="0"/>
-              </a:spcAft>
-              <a:tabLst>
-                <a:tab pos="0" algn="l"/>
-              </a:tabLst>
-            </a:pPr>
-            <a:r>
-              <a:rPr lang="en-US" sz="1700">
-                <a:effectLst/>
-                <a:latin typeface="Consolas" panose="020B0609020204030204" pitchFamily="49" charset="0"/>
-                <a:ea typeface="Calibri" panose="020F0502020204030204" pitchFamily="34" charset="0"/>
-                <a:cs typeface="Courier New" panose="02070309020205020404" pitchFamily="49" charset="0"/>
-              </a:rPr>
-              <a:t>add()                  // in class </a:t>
-            </a:r>
-            <a:r>
-              <a:rPr lang="en-US" sz="1700" err="1">
-                <a:effectLst/>
-                <a:latin typeface="Consolas" panose="020B0609020204030204" pitchFamily="49" charset="0"/>
-                <a:ea typeface="Calibri" panose="020F0502020204030204" pitchFamily="34" charset="0"/>
-                <a:cs typeface="Courier New" panose="02070309020205020404" pitchFamily="49" charset="0"/>
-              </a:rPr>
               <a:t>IdTable</a:t>
             </a:r>
-            <a:endParaRPr lang="en-US" sz="1700">
+            <a:endParaRPr lang="en-US" sz="1700" dirty="0">
               <a:latin typeface="Consolas" panose="020B0609020204030204" pitchFamily="49" charset="0"/>
             </a:endParaRPr>
           </a:p>
           <a:p>
             <a:r>
-              <a:rPr lang="en-US"/>
+              <a:rPr lang="en-US" dirty="0"/>
               <a:t>Any other parsing method that calls one of these five methods will need a </a:t>
             </a:r>
             <a:r>
-              <a:rPr lang="en-US">
+              <a:rPr lang="en-US" dirty="0">
                 <a:latin typeface="Consolas" panose="020B0609020204030204" pitchFamily="49" charset="0"/>
               </a:rPr>
               <a:t>try</a:t>
             </a:r>
             <a:r>
-              <a:rPr lang="en-US"/>
+              <a:rPr lang="en-US" dirty="0"/>
               <a:t>/</a:t>
             </a:r>
             <a:r>
-              <a:rPr lang="en-US">
+              <a:rPr lang="en-US" dirty="0">
                 <a:latin typeface="Consolas" panose="020B0609020204030204" pitchFamily="49" charset="0"/>
               </a:rPr>
               <a:t>catch</a:t>
             </a:r>
             <a:r>
-              <a:rPr lang="en-US"/>
+              <a:rPr lang="en-US" dirty="0"/>
               <a:t> block for error recovery.</a:t>
             </a:r>
           </a:p>
           <a:p>
-            <a:endParaRPr lang="en-US"/>
+            <a:endParaRPr lang="en-US" dirty="0"/>
           </a:p>
         </p:txBody>
       </p:sp>

--- a/PowerPoints/07 - Error Handling.pptx
+++ b/PowerPoints/07 - Error Handling.pptx
@@ -4780,19 +4780,23 @@
               <a:buNone/>
             </a:pPr>
             <a:r>
-              <a:rPr lang="en-US"/>
+              <a:rPr lang="en-US" dirty="0"/>
               <a:t>Method </a:t>
             </a:r>
             <a:r>
-              <a:rPr lang="en-US">
+              <a:rPr lang="en-US" dirty="0">
                 <a:latin typeface="Consolas" pitchFamily="49" charset="0"/>
                 <a:cs typeface="Consolas" pitchFamily="49" charset="0"/>
               </a:rPr>
               <a:t>recover()</a:t>
             </a:r>
             <a:r>
-              <a:rPr lang="en-US"/>
-              <a:t> implements error recovery by skipping tokens until it finds one in the follow set of the nonterminal defined by the rule.</a:t>
+              <a:rPr lang="en-US" dirty="0"/>
+              <a:t> implements error recovery by skipping tokens until it finds one </a:t>
+            </a:r>
+            <a:r>
+              <a:rPr lang="en-US"/>
+              <a:t>whose symbol is in the follow set of the nonterminal defined by the rule.</a:t>
             </a:r>
           </a:p>
           <a:p>
@@ -4802,7 +4806,7 @@
               </a:spcBef>
               <a:buNone/>
             </a:pPr>
-            <a:endParaRPr lang="en-US" sz="1800">
+            <a:endParaRPr lang="en-US" sz="1800" dirty="0">
               <a:latin typeface="Consolas" pitchFamily="49" charset="0"/>
               <a:cs typeface="Consolas" pitchFamily="49" charset="0"/>
             </a:endParaRPr>
@@ -4815,7 +4819,7 @@
               <a:buNone/>
             </a:pPr>
             <a:r>
-              <a:rPr lang="en-US" sz="1800">
+              <a:rPr lang="en-US" sz="1800" dirty="0">
                 <a:latin typeface="Consolas" pitchFamily="49" charset="0"/>
                 <a:cs typeface="Consolas" pitchFamily="49" charset="0"/>
               </a:rPr>
@@ -4830,7 +4834,7 @@
               <a:buNone/>
             </a:pPr>
             <a:r>
-              <a:rPr lang="en-US" sz="1800">
+              <a:rPr lang="en-US" sz="1800" dirty="0">
                 <a:latin typeface="Consolas" pitchFamily="49" charset="0"/>
                 <a:cs typeface="Consolas" pitchFamily="49" charset="0"/>
               </a:rPr>
@@ -4845,7 +4849,7 @@
               <a:buNone/>
             </a:pPr>
             <a:r>
-              <a:rPr lang="en-US" sz="1800">
+              <a:rPr lang="en-US" sz="1800" dirty="0">
                 <a:latin typeface="Consolas" pitchFamily="49" charset="0"/>
                 <a:cs typeface="Consolas" pitchFamily="49" charset="0"/>
               </a:rPr>
@@ -4860,7 +4864,7 @@
               <a:buNone/>
             </a:pPr>
             <a:r>
-              <a:rPr lang="en-US" sz="1800">
+              <a:rPr lang="en-US" sz="1800" dirty="0">
                 <a:latin typeface="Consolas" pitchFamily="49" charset="0"/>
                 <a:cs typeface="Consolas" pitchFamily="49" charset="0"/>
               </a:rPr>
@@ -4875,7 +4879,7 @@
               <a:buNone/>
             </a:pPr>
             <a:r>
-              <a:rPr lang="en-US" sz="1800">
+              <a:rPr lang="en-US" sz="1800" dirty="0">
                 <a:latin typeface="Consolas" pitchFamily="49" charset="0"/>
                 <a:cs typeface="Consolas" pitchFamily="49" charset="0"/>
               </a:rPr>
@@ -4890,21 +4894,21 @@
               <a:buNone/>
             </a:pPr>
             <a:r>
-              <a:rPr lang="en-US" sz="1800">
+              <a:rPr lang="en-US" sz="1800" dirty="0">
                 <a:latin typeface="Consolas" pitchFamily="49" charset="0"/>
                 <a:cs typeface="Consolas" pitchFamily="49" charset="0"/>
               </a:rPr>
               <a:t>    = </a:t>
             </a:r>
             <a:r>
-              <a:rPr lang="en-US" sz="1800" err="1">
+              <a:rPr lang="en-US" sz="1800" dirty="0" err="1">
                 <a:latin typeface="Consolas" pitchFamily="49" charset="0"/>
                 <a:cs typeface="Consolas" pitchFamily="49" charset="0"/>
               </a:rPr>
               <a:t>scanner.advanceTo</a:t>
             </a:r>
             <a:r>
-              <a:rPr lang="en-US" sz="1800">
+              <a:rPr lang="en-US" sz="1800" dirty="0">
                 <a:latin typeface="Consolas" pitchFamily="49" charset="0"/>
                 <a:cs typeface="Consolas" pitchFamily="49" charset="0"/>
               </a:rPr>
